--- a/CV/design documents/CV logic.pptx
+++ b/CV/design documents/CV logic.pptx
@@ -2,18 +2,18 @@
 <file path=ppt/presentation.xml><?xml version="1.0" encoding="utf-8"?>
 <p:presentation xmlns:a="http://schemas.openxmlformats.org/drawingml/2006/main" xmlns:r="http://schemas.openxmlformats.org/officeDocument/2006/relationships" xmlns:p="http://schemas.openxmlformats.org/presentationml/2006/main" saveSubsetFonts="1">
   <p:sldMasterIdLst>
-    <p:sldMasterId id="2147483648" r:id="rId1"/>
+    <p:sldMasterId id="2147483660" r:id="rId1"/>
   </p:sldMasterIdLst>
   <p:sldIdLst>
     <p:sldId id="256" r:id="rId2"/>
   </p:sldIdLst>
-  <p:sldSz cx="12192000" cy="6858000"/>
+  <p:sldSz cx="24120475" cy="13679488"/>
   <p:notesSz cx="6858000" cy="9144000"/>
   <p:defaultTextStyle>
     <a:defPPr>
       <a:defRPr lang="en-US"/>
     </a:defPPr>
-    <a:lvl1pPr marL="0" algn="l" defTabSz="914400" rtl="0" eaLnBrk="1" latinLnBrk="0" hangingPunct="1">
+    <a:lvl1pPr marL="0" algn="l" defTabSz="457200" rtl="0" eaLnBrk="1" latinLnBrk="0" hangingPunct="1">
       <a:defRPr sz="1800" kern="1200">
         <a:solidFill>
           <a:schemeClr val="tx1"/>
@@ -23,7 +23,7 @@
         <a:cs typeface="+mn-cs"/>
       </a:defRPr>
     </a:lvl1pPr>
-    <a:lvl2pPr marL="457200" algn="l" defTabSz="914400" rtl="0" eaLnBrk="1" latinLnBrk="0" hangingPunct="1">
+    <a:lvl2pPr marL="457200" algn="l" defTabSz="457200" rtl="0" eaLnBrk="1" latinLnBrk="0" hangingPunct="1">
       <a:defRPr sz="1800" kern="1200">
         <a:solidFill>
           <a:schemeClr val="tx1"/>
@@ -33,7 +33,7 @@
         <a:cs typeface="+mn-cs"/>
       </a:defRPr>
     </a:lvl2pPr>
-    <a:lvl3pPr marL="914400" algn="l" defTabSz="914400" rtl="0" eaLnBrk="1" latinLnBrk="0" hangingPunct="1">
+    <a:lvl3pPr marL="914400" algn="l" defTabSz="457200" rtl="0" eaLnBrk="1" latinLnBrk="0" hangingPunct="1">
       <a:defRPr sz="1800" kern="1200">
         <a:solidFill>
           <a:schemeClr val="tx1"/>
@@ -43,7 +43,7 @@
         <a:cs typeface="+mn-cs"/>
       </a:defRPr>
     </a:lvl3pPr>
-    <a:lvl4pPr marL="1371600" algn="l" defTabSz="914400" rtl="0" eaLnBrk="1" latinLnBrk="0" hangingPunct="1">
+    <a:lvl4pPr marL="1371600" algn="l" defTabSz="457200" rtl="0" eaLnBrk="1" latinLnBrk="0" hangingPunct="1">
       <a:defRPr sz="1800" kern="1200">
         <a:solidFill>
           <a:schemeClr val="tx1"/>
@@ -53,7 +53,7 @@
         <a:cs typeface="+mn-cs"/>
       </a:defRPr>
     </a:lvl4pPr>
-    <a:lvl5pPr marL="1828800" algn="l" defTabSz="914400" rtl="0" eaLnBrk="1" latinLnBrk="0" hangingPunct="1">
+    <a:lvl5pPr marL="1828800" algn="l" defTabSz="457200" rtl="0" eaLnBrk="1" latinLnBrk="0" hangingPunct="1">
       <a:defRPr sz="1800" kern="1200">
         <a:solidFill>
           <a:schemeClr val="tx1"/>
@@ -63,7 +63,7 @@
         <a:cs typeface="+mn-cs"/>
       </a:defRPr>
     </a:lvl5pPr>
-    <a:lvl6pPr marL="2286000" algn="l" defTabSz="914400" rtl="0" eaLnBrk="1" latinLnBrk="0" hangingPunct="1">
+    <a:lvl6pPr marL="2286000" algn="l" defTabSz="457200" rtl="0" eaLnBrk="1" latinLnBrk="0" hangingPunct="1">
       <a:defRPr sz="1800" kern="1200">
         <a:solidFill>
           <a:schemeClr val="tx1"/>
@@ -73,7 +73,7 @@
         <a:cs typeface="+mn-cs"/>
       </a:defRPr>
     </a:lvl6pPr>
-    <a:lvl7pPr marL="2743200" algn="l" defTabSz="914400" rtl="0" eaLnBrk="1" latinLnBrk="0" hangingPunct="1">
+    <a:lvl7pPr marL="2743200" algn="l" defTabSz="457200" rtl="0" eaLnBrk="1" latinLnBrk="0" hangingPunct="1">
       <a:defRPr sz="1800" kern="1200">
         <a:solidFill>
           <a:schemeClr val="tx1"/>
@@ -83,7 +83,7 @@
         <a:cs typeface="+mn-cs"/>
       </a:defRPr>
     </a:lvl7pPr>
-    <a:lvl8pPr marL="3200400" algn="l" defTabSz="914400" rtl="0" eaLnBrk="1" latinLnBrk="0" hangingPunct="1">
+    <a:lvl8pPr marL="3200400" algn="l" defTabSz="457200" rtl="0" eaLnBrk="1" latinLnBrk="0" hangingPunct="1">
       <a:defRPr sz="1800" kern="1200">
         <a:solidFill>
           <a:schemeClr val="tx1"/>
@@ -93,7 +93,7 @@
         <a:cs typeface="+mn-cs"/>
       </a:defRPr>
     </a:lvl8pPr>
-    <a:lvl9pPr marL="3657600" algn="l" defTabSz="914400" rtl="0" eaLnBrk="1" latinLnBrk="0" hangingPunct="1">
+    <a:lvl9pPr marL="3657600" algn="l" defTabSz="457200" rtl="0" eaLnBrk="1" latinLnBrk="0" hangingPunct="1">
       <a:defRPr sz="1800" kern="1200">
         <a:solidFill>
           <a:schemeClr val="tx1"/>
@@ -104,6 +104,11 @@
       </a:defRPr>
     </a:lvl9pPr>
   </p:defaultTextStyle>
+  <p:extLst>
+    <p:ext uri="{EFAFB233-063F-42B5-8137-9DF3F51BA10A}">
+      <p15:sldGuideLst xmlns:p15="http://schemas.microsoft.com/office/powerpoint/2012/main"/>
+    </p:ext>
+  </p:extLst>
 </p:presentation>
 </file>
 
@@ -126,13 +131,7 @@
       </p:grpSpPr>
       <p:sp>
         <p:nvSpPr>
-          <p:cNvPr id="2" name="Title 1">
-            <a:extLst>
-              <a:ext uri="{FF2B5EF4-FFF2-40B4-BE49-F238E27FC236}">
-                <a16:creationId xmlns:a16="http://schemas.microsoft.com/office/drawing/2014/main" id="{01959B1A-0D70-B207-6B8A-30C029976A82}"/>
-              </a:ext>
-            </a:extLst>
-          </p:cNvPr>
+          <p:cNvPr id="2" name="Title 1"/>
           <p:cNvSpPr>
             <a:spLocks noGrp="1"/>
           </p:cNvSpPr>
@@ -142,15 +141,15 @@
         </p:nvSpPr>
         <p:spPr>
           <a:xfrm>
-            <a:off x="1524000" y="1122363"/>
-            <a:ext cx="9144000" cy="2387600"/>
+            <a:off x="3015060" y="2238751"/>
+            <a:ext cx="18090356" cy="4762488"/>
           </a:xfrm>
         </p:spPr>
         <p:txBody>
           <a:bodyPr anchor="b"/>
           <a:lstStyle>
             <a:lvl1pPr algn="ctr">
-              <a:defRPr sz="6000"/>
+              <a:defRPr sz="11870"/>
             </a:lvl1pPr>
           </a:lstStyle>
           <a:p>
@@ -158,19 +157,13 @@
               <a:rPr lang="en-US"/>
               <a:t>Click to edit Master title style</a:t>
             </a:r>
-            <a:endParaRPr lang="en-AU"/>
-          </a:p>
-        </p:txBody>
-      </p:sp>
-      <p:sp>
-        <p:nvSpPr>
-          <p:cNvPr id="3" name="Subtitle 2">
-            <a:extLst>
-              <a:ext uri="{FF2B5EF4-FFF2-40B4-BE49-F238E27FC236}">
-                <a16:creationId xmlns:a16="http://schemas.microsoft.com/office/drawing/2014/main" id="{AA455F50-6554-AC18-12E3-CFA24F7FC0A9}"/>
-              </a:ext>
-            </a:extLst>
-          </p:cNvPr>
+            <a:endParaRPr lang="en-US" dirty="0"/>
+          </a:p>
+        </p:txBody>
+      </p:sp>
+      <p:sp>
+        <p:nvSpPr>
+          <p:cNvPr id="3" name="Subtitle 2"/>
           <p:cNvSpPr>
             <a:spLocks noGrp="1"/>
           </p:cNvSpPr>
@@ -180,8 +173,8 @@
         </p:nvSpPr>
         <p:spPr>
           <a:xfrm>
-            <a:off x="1524000" y="3602038"/>
-            <a:ext cx="9144000" cy="1655762"/>
+            <a:off x="3015060" y="7184899"/>
+            <a:ext cx="18090356" cy="3302709"/>
           </a:xfrm>
         </p:spPr>
         <p:txBody>
@@ -189,39 +182,39 @@
           <a:lstStyle>
             <a:lvl1pPr marL="0" indent="0" algn="ctr">
               <a:buNone/>
-              <a:defRPr sz="2400"/>
+              <a:defRPr sz="4748"/>
             </a:lvl1pPr>
-            <a:lvl2pPr marL="457200" indent="0" algn="ctr">
-              <a:buNone/>
-              <a:defRPr sz="2000"/>
+            <a:lvl2pPr marL="904524" indent="0" algn="ctr">
+              <a:buNone/>
+              <a:defRPr sz="3957"/>
             </a:lvl2pPr>
-            <a:lvl3pPr marL="914400" indent="0" algn="ctr">
-              <a:buNone/>
-              <a:defRPr sz="1800"/>
+            <a:lvl3pPr marL="1809049" indent="0" algn="ctr">
+              <a:buNone/>
+              <a:defRPr sz="3561"/>
             </a:lvl3pPr>
-            <a:lvl4pPr marL="1371600" indent="0" algn="ctr">
-              <a:buNone/>
-              <a:defRPr sz="1600"/>
+            <a:lvl4pPr marL="2713573" indent="0" algn="ctr">
+              <a:buNone/>
+              <a:defRPr sz="3165"/>
             </a:lvl4pPr>
-            <a:lvl5pPr marL="1828800" indent="0" algn="ctr">
-              <a:buNone/>
-              <a:defRPr sz="1600"/>
+            <a:lvl5pPr marL="3618098" indent="0" algn="ctr">
+              <a:buNone/>
+              <a:defRPr sz="3165"/>
             </a:lvl5pPr>
-            <a:lvl6pPr marL="2286000" indent="0" algn="ctr">
-              <a:buNone/>
-              <a:defRPr sz="1600"/>
+            <a:lvl6pPr marL="4522622" indent="0" algn="ctr">
+              <a:buNone/>
+              <a:defRPr sz="3165"/>
             </a:lvl6pPr>
-            <a:lvl7pPr marL="2743200" indent="0" algn="ctr">
-              <a:buNone/>
-              <a:defRPr sz="1600"/>
+            <a:lvl7pPr marL="5427147" indent="0" algn="ctr">
+              <a:buNone/>
+              <a:defRPr sz="3165"/>
             </a:lvl7pPr>
-            <a:lvl8pPr marL="3200400" indent="0" algn="ctr">
-              <a:buNone/>
-              <a:defRPr sz="1600"/>
+            <a:lvl8pPr marL="6331671" indent="0" algn="ctr">
+              <a:buNone/>
+              <a:defRPr sz="3165"/>
             </a:lvl8pPr>
-            <a:lvl9pPr marL="3657600" indent="0" algn="ctr">
-              <a:buNone/>
-              <a:defRPr sz="1600"/>
+            <a:lvl9pPr marL="7236196" indent="0" algn="ctr">
+              <a:buNone/>
+              <a:defRPr sz="3165"/>
             </a:lvl9pPr>
           </a:lstStyle>
           <a:p>
@@ -229,19 +222,13 @@
               <a:rPr lang="en-US"/>
               <a:t>Click to edit Master subtitle style</a:t>
             </a:r>
-            <a:endParaRPr lang="en-AU"/>
-          </a:p>
-        </p:txBody>
-      </p:sp>
-      <p:sp>
-        <p:nvSpPr>
-          <p:cNvPr id="4" name="Date Placeholder 3">
-            <a:extLst>
-              <a:ext uri="{FF2B5EF4-FFF2-40B4-BE49-F238E27FC236}">
-                <a16:creationId xmlns:a16="http://schemas.microsoft.com/office/drawing/2014/main" id="{5C7CF5E1-F066-9CB7-7F24-58EC29A7CBDB}"/>
-              </a:ext>
-            </a:extLst>
-          </p:cNvPr>
+            <a:endParaRPr lang="en-US" dirty="0"/>
+          </a:p>
+        </p:txBody>
+      </p:sp>
+      <p:sp>
+        <p:nvSpPr>
+          <p:cNvPr id="4" name="Date Placeholder 3"/>
           <p:cNvSpPr>
             <a:spLocks noGrp="1"/>
           </p:cNvSpPr>
@@ -264,13 +251,7 @@
       </p:sp>
       <p:sp>
         <p:nvSpPr>
-          <p:cNvPr id="5" name="Footer Placeholder 4">
-            <a:extLst>
-              <a:ext uri="{FF2B5EF4-FFF2-40B4-BE49-F238E27FC236}">
-                <a16:creationId xmlns:a16="http://schemas.microsoft.com/office/drawing/2014/main" id="{FF5C20D3-AADA-4A62-DEEC-29BAA46581C6}"/>
-              </a:ext>
-            </a:extLst>
-          </p:cNvPr>
+          <p:cNvPr id="5" name="Footer Placeholder 4"/>
           <p:cNvSpPr>
             <a:spLocks noGrp="1"/>
           </p:cNvSpPr>
@@ -289,13 +270,7 @@
       </p:sp>
       <p:sp>
         <p:nvSpPr>
-          <p:cNvPr id="6" name="Slide Number Placeholder 5">
-            <a:extLst>
-              <a:ext uri="{FF2B5EF4-FFF2-40B4-BE49-F238E27FC236}">
-                <a16:creationId xmlns:a16="http://schemas.microsoft.com/office/drawing/2014/main" id="{69D38362-CA05-28A8-563F-F8A78ACC6DF6}"/>
-              </a:ext>
-            </a:extLst>
-          </p:cNvPr>
+          <p:cNvPr id="6" name="Slide Number Placeholder 5"/>
           <p:cNvSpPr>
             <a:spLocks noGrp="1"/>
           </p:cNvSpPr>
@@ -319,7 +294,7 @@
     </p:spTree>
     <p:extLst>
       <p:ext uri="{BB962C8B-B14F-4D97-AF65-F5344CB8AC3E}">
-        <p14:creationId xmlns:p14="http://schemas.microsoft.com/office/powerpoint/2010/main" val="2604530954"/>
+        <p14:creationId xmlns:p14="http://schemas.microsoft.com/office/powerpoint/2010/main" val="1087395601"/>
       </p:ext>
     </p:extLst>
   </p:cSld>
@@ -348,13 +323,7 @@
       </p:grpSpPr>
       <p:sp>
         <p:nvSpPr>
-          <p:cNvPr id="2" name="Title 1">
-            <a:extLst>
-              <a:ext uri="{FF2B5EF4-FFF2-40B4-BE49-F238E27FC236}">
-                <a16:creationId xmlns:a16="http://schemas.microsoft.com/office/drawing/2014/main" id="{59A1CD85-C191-97B2-1E12-7277176E5C58}"/>
-              </a:ext>
-            </a:extLst>
-          </p:cNvPr>
+          <p:cNvPr id="2" name="Title 1"/>
           <p:cNvSpPr>
             <a:spLocks noGrp="1"/>
           </p:cNvSpPr>
@@ -371,19 +340,13 @@
               <a:rPr lang="en-US"/>
               <a:t>Click to edit Master title style</a:t>
             </a:r>
-            <a:endParaRPr lang="en-AU"/>
-          </a:p>
-        </p:txBody>
-      </p:sp>
-      <p:sp>
-        <p:nvSpPr>
-          <p:cNvPr id="3" name="Vertical Text Placeholder 2">
-            <a:extLst>
-              <a:ext uri="{FF2B5EF4-FFF2-40B4-BE49-F238E27FC236}">
-                <a16:creationId xmlns:a16="http://schemas.microsoft.com/office/drawing/2014/main" id="{D1B6392B-B8E3-DD4B-BA57-1E079C2BDAD6}"/>
-              </a:ext>
-            </a:extLst>
-          </p:cNvPr>
+            <a:endParaRPr lang="en-US" dirty="0"/>
+          </a:p>
+        </p:txBody>
+      </p:sp>
+      <p:sp>
+        <p:nvSpPr>
+          <p:cNvPr id="3" name="Vertical Text Placeholder 2"/>
           <p:cNvSpPr>
             <a:spLocks noGrp="1"/>
           </p:cNvSpPr>
@@ -429,19 +392,13 @@
               <a:rPr lang="en-US"/>
               <a:t>Fifth level</a:t>
             </a:r>
-            <a:endParaRPr lang="en-AU"/>
-          </a:p>
-        </p:txBody>
-      </p:sp>
-      <p:sp>
-        <p:nvSpPr>
-          <p:cNvPr id="4" name="Date Placeholder 3">
-            <a:extLst>
-              <a:ext uri="{FF2B5EF4-FFF2-40B4-BE49-F238E27FC236}">
-                <a16:creationId xmlns:a16="http://schemas.microsoft.com/office/drawing/2014/main" id="{5FAAF591-BE89-B420-A9F5-2FB178B24248}"/>
-              </a:ext>
-            </a:extLst>
-          </p:cNvPr>
+            <a:endParaRPr lang="en-US" dirty="0"/>
+          </a:p>
+        </p:txBody>
+      </p:sp>
+      <p:sp>
+        <p:nvSpPr>
+          <p:cNvPr id="4" name="Date Placeholder 3"/>
           <p:cNvSpPr>
             <a:spLocks noGrp="1"/>
           </p:cNvSpPr>
@@ -464,13 +421,7 @@
       </p:sp>
       <p:sp>
         <p:nvSpPr>
-          <p:cNvPr id="5" name="Footer Placeholder 4">
-            <a:extLst>
-              <a:ext uri="{FF2B5EF4-FFF2-40B4-BE49-F238E27FC236}">
-                <a16:creationId xmlns:a16="http://schemas.microsoft.com/office/drawing/2014/main" id="{F022381D-D50E-40BA-3B49-77A9B33D362F}"/>
-              </a:ext>
-            </a:extLst>
-          </p:cNvPr>
+          <p:cNvPr id="5" name="Footer Placeholder 4"/>
           <p:cNvSpPr>
             <a:spLocks noGrp="1"/>
           </p:cNvSpPr>
@@ -489,13 +440,7 @@
       </p:sp>
       <p:sp>
         <p:nvSpPr>
-          <p:cNvPr id="6" name="Slide Number Placeholder 5">
-            <a:extLst>
-              <a:ext uri="{FF2B5EF4-FFF2-40B4-BE49-F238E27FC236}">
-                <a16:creationId xmlns:a16="http://schemas.microsoft.com/office/drawing/2014/main" id="{08294B30-67BC-1195-AAA5-EB439B91E516}"/>
-              </a:ext>
-            </a:extLst>
-          </p:cNvPr>
+          <p:cNvPr id="6" name="Slide Number Placeholder 5"/>
           <p:cNvSpPr>
             <a:spLocks noGrp="1"/>
           </p:cNvSpPr>
@@ -519,7 +464,7 @@
     </p:spTree>
     <p:extLst>
       <p:ext uri="{BB962C8B-B14F-4D97-AF65-F5344CB8AC3E}">
-        <p14:creationId xmlns:p14="http://schemas.microsoft.com/office/powerpoint/2010/main" val="2462873231"/>
+        <p14:creationId xmlns:p14="http://schemas.microsoft.com/office/powerpoint/2010/main" val="1629897722"/>
       </p:ext>
     </p:extLst>
   </p:cSld>
@@ -548,13 +493,7 @@
       </p:grpSpPr>
       <p:sp>
         <p:nvSpPr>
-          <p:cNvPr id="2" name="Vertical Title 1">
-            <a:extLst>
-              <a:ext uri="{FF2B5EF4-FFF2-40B4-BE49-F238E27FC236}">
-                <a16:creationId xmlns:a16="http://schemas.microsoft.com/office/drawing/2014/main" id="{731C7180-EAAB-5A08-5D4D-909DEA76F574}"/>
-              </a:ext>
-            </a:extLst>
-          </p:cNvPr>
+          <p:cNvPr id="2" name="Vertical Title 1"/>
           <p:cNvSpPr>
             <a:spLocks noGrp="1"/>
           </p:cNvSpPr>
@@ -564,8 +503,8 @@
         </p:nvSpPr>
         <p:spPr>
           <a:xfrm>
-            <a:off x="8724900" y="365125"/>
-            <a:ext cx="2628900" cy="5811838"/>
+            <a:off x="17261215" y="728306"/>
+            <a:ext cx="5200977" cy="11592734"/>
           </a:xfrm>
         </p:spPr>
         <p:txBody>
@@ -576,19 +515,13 @@
               <a:rPr lang="en-US"/>
               <a:t>Click to edit Master title style</a:t>
             </a:r>
-            <a:endParaRPr lang="en-AU"/>
-          </a:p>
-        </p:txBody>
-      </p:sp>
-      <p:sp>
-        <p:nvSpPr>
-          <p:cNvPr id="3" name="Vertical Text Placeholder 2">
-            <a:extLst>
-              <a:ext uri="{FF2B5EF4-FFF2-40B4-BE49-F238E27FC236}">
-                <a16:creationId xmlns:a16="http://schemas.microsoft.com/office/drawing/2014/main" id="{4554000C-4887-E5CA-0659-42DC32A0C860}"/>
-              </a:ext>
-            </a:extLst>
-          </p:cNvPr>
+            <a:endParaRPr lang="en-US" dirty="0"/>
+          </a:p>
+        </p:txBody>
+      </p:sp>
+      <p:sp>
+        <p:nvSpPr>
+          <p:cNvPr id="3" name="Vertical Text Placeholder 2"/>
           <p:cNvSpPr>
             <a:spLocks noGrp="1"/>
           </p:cNvSpPr>
@@ -598,8 +531,8 @@
         </p:nvSpPr>
         <p:spPr>
           <a:xfrm>
-            <a:off x="838200" y="365125"/>
-            <a:ext cx="7734300" cy="5811838"/>
+            <a:off x="1658283" y="728306"/>
+            <a:ext cx="15301426" cy="11592734"/>
           </a:xfrm>
         </p:spPr>
         <p:txBody>
@@ -639,19 +572,13 @@
               <a:rPr lang="en-US"/>
               <a:t>Fifth level</a:t>
             </a:r>
-            <a:endParaRPr lang="en-AU"/>
-          </a:p>
-        </p:txBody>
-      </p:sp>
-      <p:sp>
-        <p:nvSpPr>
-          <p:cNvPr id="4" name="Date Placeholder 3">
-            <a:extLst>
-              <a:ext uri="{FF2B5EF4-FFF2-40B4-BE49-F238E27FC236}">
-                <a16:creationId xmlns:a16="http://schemas.microsoft.com/office/drawing/2014/main" id="{D4E1919D-4715-E190-C3E3-8A1E780422AE}"/>
-              </a:ext>
-            </a:extLst>
-          </p:cNvPr>
+            <a:endParaRPr lang="en-US" dirty="0"/>
+          </a:p>
+        </p:txBody>
+      </p:sp>
+      <p:sp>
+        <p:nvSpPr>
+          <p:cNvPr id="4" name="Date Placeholder 3"/>
           <p:cNvSpPr>
             <a:spLocks noGrp="1"/>
           </p:cNvSpPr>
@@ -674,13 +601,7 @@
       </p:sp>
       <p:sp>
         <p:nvSpPr>
-          <p:cNvPr id="5" name="Footer Placeholder 4">
-            <a:extLst>
-              <a:ext uri="{FF2B5EF4-FFF2-40B4-BE49-F238E27FC236}">
-                <a16:creationId xmlns:a16="http://schemas.microsoft.com/office/drawing/2014/main" id="{C73490DB-2BF9-214D-580A-BEDE2C77BC4F}"/>
-              </a:ext>
-            </a:extLst>
-          </p:cNvPr>
+          <p:cNvPr id="5" name="Footer Placeholder 4"/>
           <p:cNvSpPr>
             <a:spLocks noGrp="1"/>
           </p:cNvSpPr>
@@ -699,13 +620,7 @@
       </p:sp>
       <p:sp>
         <p:nvSpPr>
-          <p:cNvPr id="6" name="Slide Number Placeholder 5">
-            <a:extLst>
-              <a:ext uri="{FF2B5EF4-FFF2-40B4-BE49-F238E27FC236}">
-                <a16:creationId xmlns:a16="http://schemas.microsoft.com/office/drawing/2014/main" id="{27DA3463-3E53-1D20-021F-5EFE4730F37E}"/>
-              </a:ext>
-            </a:extLst>
-          </p:cNvPr>
+          <p:cNvPr id="6" name="Slide Number Placeholder 5"/>
           <p:cNvSpPr>
             <a:spLocks noGrp="1"/>
           </p:cNvSpPr>
@@ -729,7 +644,7 @@
     </p:spTree>
     <p:extLst>
       <p:ext uri="{BB962C8B-B14F-4D97-AF65-F5344CB8AC3E}">
-        <p14:creationId xmlns:p14="http://schemas.microsoft.com/office/powerpoint/2010/main" val="3037154371"/>
+        <p14:creationId xmlns:p14="http://schemas.microsoft.com/office/powerpoint/2010/main" val="2505946208"/>
       </p:ext>
     </p:extLst>
   </p:cSld>
@@ -758,13 +673,7 @@
       </p:grpSpPr>
       <p:sp>
         <p:nvSpPr>
-          <p:cNvPr id="2" name="Title 1">
-            <a:extLst>
-              <a:ext uri="{FF2B5EF4-FFF2-40B4-BE49-F238E27FC236}">
-                <a16:creationId xmlns:a16="http://schemas.microsoft.com/office/drawing/2014/main" id="{999A637F-FA33-9668-0DB7-26BC6E5ACB57}"/>
-              </a:ext>
-            </a:extLst>
-          </p:cNvPr>
+          <p:cNvPr id="2" name="Title 1"/>
           <p:cNvSpPr>
             <a:spLocks noGrp="1"/>
           </p:cNvSpPr>
@@ -781,19 +690,13 @@
               <a:rPr lang="en-US"/>
               <a:t>Click to edit Master title style</a:t>
             </a:r>
-            <a:endParaRPr lang="en-AU"/>
-          </a:p>
-        </p:txBody>
-      </p:sp>
-      <p:sp>
-        <p:nvSpPr>
-          <p:cNvPr id="3" name="Content Placeholder 2">
-            <a:extLst>
-              <a:ext uri="{FF2B5EF4-FFF2-40B4-BE49-F238E27FC236}">
-                <a16:creationId xmlns:a16="http://schemas.microsoft.com/office/drawing/2014/main" id="{2E376E9E-0F6D-1963-A59C-51D7A5E94846}"/>
-              </a:ext>
-            </a:extLst>
-          </p:cNvPr>
+            <a:endParaRPr lang="en-US" dirty="0"/>
+          </a:p>
+        </p:txBody>
+      </p:sp>
+      <p:sp>
+        <p:nvSpPr>
+          <p:cNvPr id="3" name="Content Placeholder 2"/>
           <p:cNvSpPr>
             <a:spLocks noGrp="1"/>
           </p:cNvSpPr>
@@ -839,19 +742,13 @@
               <a:rPr lang="en-US"/>
               <a:t>Fifth level</a:t>
             </a:r>
-            <a:endParaRPr lang="en-AU"/>
-          </a:p>
-        </p:txBody>
-      </p:sp>
-      <p:sp>
-        <p:nvSpPr>
-          <p:cNvPr id="4" name="Date Placeholder 3">
-            <a:extLst>
-              <a:ext uri="{FF2B5EF4-FFF2-40B4-BE49-F238E27FC236}">
-                <a16:creationId xmlns:a16="http://schemas.microsoft.com/office/drawing/2014/main" id="{821351B3-F53E-F5F3-DB37-86173B3D87FC}"/>
-              </a:ext>
-            </a:extLst>
-          </p:cNvPr>
+            <a:endParaRPr lang="en-US" dirty="0"/>
+          </a:p>
+        </p:txBody>
+      </p:sp>
+      <p:sp>
+        <p:nvSpPr>
+          <p:cNvPr id="4" name="Date Placeholder 3"/>
           <p:cNvSpPr>
             <a:spLocks noGrp="1"/>
           </p:cNvSpPr>
@@ -874,13 +771,7 @@
       </p:sp>
       <p:sp>
         <p:nvSpPr>
-          <p:cNvPr id="5" name="Footer Placeholder 4">
-            <a:extLst>
-              <a:ext uri="{FF2B5EF4-FFF2-40B4-BE49-F238E27FC236}">
-                <a16:creationId xmlns:a16="http://schemas.microsoft.com/office/drawing/2014/main" id="{FF3D7CFD-E03E-47F9-44B8-7BC27DEBB34C}"/>
-              </a:ext>
-            </a:extLst>
-          </p:cNvPr>
+          <p:cNvPr id="5" name="Footer Placeholder 4"/>
           <p:cNvSpPr>
             <a:spLocks noGrp="1"/>
           </p:cNvSpPr>
@@ -899,13 +790,7 @@
       </p:sp>
       <p:sp>
         <p:nvSpPr>
-          <p:cNvPr id="6" name="Slide Number Placeholder 5">
-            <a:extLst>
-              <a:ext uri="{FF2B5EF4-FFF2-40B4-BE49-F238E27FC236}">
-                <a16:creationId xmlns:a16="http://schemas.microsoft.com/office/drawing/2014/main" id="{1A6158AD-05D5-5E38-7153-E6867DE4EE89}"/>
-              </a:ext>
-            </a:extLst>
-          </p:cNvPr>
+          <p:cNvPr id="6" name="Slide Number Placeholder 5"/>
           <p:cNvSpPr>
             <a:spLocks noGrp="1"/>
           </p:cNvSpPr>
@@ -929,7 +814,7 @@
     </p:spTree>
     <p:extLst>
       <p:ext uri="{BB962C8B-B14F-4D97-AF65-F5344CB8AC3E}">
-        <p14:creationId xmlns:p14="http://schemas.microsoft.com/office/powerpoint/2010/main" val="2342792268"/>
+        <p14:creationId xmlns:p14="http://schemas.microsoft.com/office/powerpoint/2010/main" val="2661397346"/>
       </p:ext>
     </p:extLst>
   </p:cSld>
@@ -958,13 +843,7 @@
       </p:grpSpPr>
       <p:sp>
         <p:nvSpPr>
-          <p:cNvPr id="2" name="Title 1">
-            <a:extLst>
-              <a:ext uri="{FF2B5EF4-FFF2-40B4-BE49-F238E27FC236}">
-                <a16:creationId xmlns:a16="http://schemas.microsoft.com/office/drawing/2014/main" id="{0B1AF725-0D1C-761B-D26B-D0D4B162D6FE}"/>
-              </a:ext>
-            </a:extLst>
-          </p:cNvPr>
+          <p:cNvPr id="2" name="Title 1"/>
           <p:cNvSpPr>
             <a:spLocks noGrp="1"/>
           </p:cNvSpPr>
@@ -974,15 +853,15 @@
         </p:nvSpPr>
         <p:spPr>
           <a:xfrm>
-            <a:off x="831850" y="1709738"/>
-            <a:ext cx="10515600" cy="2852737"/>
+            <a:off x="1645720" y="3410374"/>
+            <a:ext cx="20803910" cy="5690286"/>
           </a:xfrm>
         </p:spPr>
         <p:txBody>
           <a:bodyPr anchor="b"/>
           <a:lstStyle>
             <a:lvl1pPr>
-              <a:defRPr sz="6000"/>
+              <a:defRPr sz="11870"/>
             </a:lvl1pPr>
           </a:lstStyle>
           <a:p>
@@ -990,19 +869,13 @@
               <a:rPr lang="en-US"/>
               <a:t>Click to edit Master title style</a:t>
             </a:r>
-            <a:endParaRPr lang="en-AU"/>
-          </a:p>
-        </p:txBody>
-      </p:sp>
-      <p:sp>
-        <p:nvSpPr>
-          <p:cNvPr id="3" name="Text Placeholder 2">
-            <a:extLst>
-              <a:ext uri="{FF2B5EF4-FFF2-40B4-BE49-F238E27FC236}">
-                <a16:creationId xmlns:a16="http://schemas.microsoft.com/office/drawing/2014/main" id="{A5350568-7161-5E93-4189-B65F3B1AB132}"/>
-              </a:ext>
-            </a:extLst>
-          </p:cNvPr>
+            <a:endParaRPr lang="en-US" dirty="0"/>
+          </a:p>
+        </p:txBody>
+      </p:sp>
+      <p:sp>
+        <p:nvSpPr>
+          <p:cNvPr id="3" name="Text Placeholder 2"/>
           <p:cNvSpPr>
             <a:spLocks noGrp="1"/>
           </p:cNvSpPr>
@@ -1012,8 +885,8 @@
         </p:nvSpPr>
         <p:spPr>
           <a:xfrm>
-            <a:off x="831850" y="4589463"/>
-            <a:ext cx="10515600" cy="1500187"/>
+            <a:off x="1645720" y="9154493"/>
+            <a:ext cx="20803910" cy="2992387"/>
           </a:xfrm>
         </p:spPr>
         <p:txBody>
@@ -1021,7 +894,7 @@
           <a:lstStyle>
             <a:lvl1pPr marL="0" indent="0">
               <a:buNone/>
-              <a:defRPr sz="2400">
+              <a:defRPr sz="4748">
                 <a:solidFill>
                   <a:schemeClr val="tx1">
                     <a:tint val="82000"/>
@@ -1029,9 +902,9 @@
                 </a:solidFill>
               </a:defRPr>
             </a:lvl1pPr>
-            <a:lvl2pPr marL="457200" indent="0">
-              <a:buNone/>
-              <a:defRPr sz="2000">
+            <a:lvl2pPr marL="904524" indent="0">
+              <a:buNone/>
+              <a:defRPr sz="3957">
                 <a:solidFill>
                   <a:schemeClr val="tx1">
                     <a:tint val="82000"/>
@@ -1039,9 +912,9 @@
                 </a:solidFill>
               </a:defRPr>
             </a:lvl2pPr>
-            <a:lvl3pPr marL="914400" indent="0">
-              <a:buNone/>
-              <a:defRPr sz="1800">
+            <a:lvl3pPr marL="1809049" indent="0">
+              <a:buNone/>
+              <a:defRPr sz="3561">
                 <a:solidFill>
                   <a:schemeClr val="tx1">
                     <a:tint val="82000"/>
@@ -1049,9 +922,9 @@
                 </a:solidFill>
               </a:defRPr>
             </a:lvl3pPr>
-            <a:lvl4pPr marL="1371600" indent="0">
-              <a:buNone/>
-              <a:defRPr sz="1600">
+            <a:lvl4pPr marL="2713573" indent="0">
+              <a:buNone/>
+              <a:defRPr sz="3165">
                 <a:solidFill>
                   <a:schemeClr val="tx1">
                     <a:tint val="82000"/>
@@ -1059,9 +932,9 @@
                 </a:solidFill>
               </a:defRPr>
             </a:lvl4pPr>
-            <a:lvl5pPr marL="1828800" indent="0">
-              <a:buNone/>
-              <a:defRPr sz="1600">
+            <a:lvl5pPr marL="3618098" indent="0">
+              <a:buNone/>
+              <a:defRPr sz="3165">
                 <a:solidFill>
                   <a:schemeClr val="tx1">
                     <a:tint val="82000"/>
@@ -1069,9 +942,9 @@
                 </a:solidFill>
               </a:defRPr>
             </a:lvl5pPr>
-            <a:lvl6pPr marL="2286000" indent="0">
-              <a:buNone/>
-              <a:defRPr sz="1600">
+            <a:lvl6pPr marL="4522622" indent="0">
+              <a:buNone/>
+              <a:defRPr sz="3165">
                 <a:solidFill>
                   <a:schemeClr val="tx1">
                     <a:tint val="82000"/>
@@ -1079,9 +952,9 @@
                 </a:solidFill>
               </a:defRPr>
             </a:lvl6pPr>
-            <a:lvl7pPr marL="2743200" indent="0">
-              <a:buNone/>
-              <a:defRPr sz="1600">
+            <a:lvl7pPr marL="5427147" indent="0">
+              <a:buNone/>
+              <a:defRPr sz="3165">
                 <a:solidFill>
                   <a:schemeClr val="tx1">
                     <a:tint val="82000"/>
@@ -1089,9 +962,9 @@
                 </a:solidFill>
               </a:defRPr>
             </a:lvl7pPr>
-            <a:lvl8pPr marL="3200400" indent="0">
-              <a:buNone/>
-              <a:defRPr sz="1600">
+            <a:lvl8pPr marL="6331671" indent="0">
+              <a:buNone/>
+              <a:defRPr sz="3165">
                 <a:solidFill>
                   <a:schemeClr val="tx1">
                     <a:tint val="82000"/>
@@ -1099,9 +972,9 @@
                 </a:solidFill>
               </a:defRPr>
             </a:lvl8pPr>
-            <a:lvl9pPr marL="3657600" indent="0">
-              <a:buNone/>
-              <a:defRPr sz="1600">
+            <a:lvl9pPr marL="7236196" indent="0">
+              <a:buNone/>
+              <a:defRPr sz="3165">
                 <a:solidFill>
                   <a:schemeClr val="tx1">
                     <a:tint val="82000"/>
@@ -1121,13 +994,7 @@
       </p:sp>
       <p:sp>
         <p:nvSpPr>
-          <p:cNvPr id="4" name="Date Placeholder 3">
-            <a:extLst>
-              <a:ext uri="{FF2B5EF4-FFF2-40B4-BE49-F238E27FC236}">
-                <a16:creationId xmlns:a16="http://schemas.microsoft.com/office/drawing/2014/main" id="{F1A7587F-D454-C5EA-2714-DEB223BDC3F2}"/>
-              </a:ext>
-            </a:extLst>
-          </p:cNvPr>
+          <p:cNvPr id="4" name="Date Placeholder 3"/>
           <p:cNvSpPr>
             <a:spLocks noGrp="1"/>
           </p:cNvSpPr>
@@ -1150,13 +1017,7 @@
       </p:sp>
       <p:sp>
         <p:nvSpPr>
-          <p:cNvPr id="5" name="Footer Placeholder 4">
-            <a:extLst>
-              <a:ext uri="{FF2B5EF4-FFF2-40B4-BE49-F238E27FC236}">
-                <a16:creationId xmlns:a16="http://schemas.microsoft.com/office/drawing/2014/main" id="{76B44518-54CE-017D-D6B2-A0669F560C1D}"/>
-              </a:ext>
-            </a:extLst>
-          </p:cNvPr>
+          <p:cNvPr id="5" name="Footer Placeholder 4"/>
           <p:cNvSpPr>
             <a:spLocks noGrp="1"/>
           </p:cNvSpPr>
@@ -1175,13 +1036,7 @@
       </p:sp>
       <p:sp>
         <p:nvSpPr>
-          <p:cNvPr id="6" name="Slide Number Placeholder 5">
-            <a:extLst>
-              <a:ext uri="{FF2B5EF4-FFF2-40B4-BE49-F238E27FC236}">
-                <a16:creationId xmlns:a16="http://schemas.microsoft.com/office/drawing/2014/main" id="{3C07934E-94EF-FD49-1797-96331835CB45}"/>
-              </a:ext>
-            </a:extLst>
-          </p:cNvPr>
+          <p:cNvPr id="6" name="Slide Number Placeholder 5"/>
           <p:cNvSpPr>
             <a:spLocks noGrp="1"/>
           </p:cNvSpPr>
@@ -1205,7 +1060,7 @@
     </p:spTree>
     <p:extLst>
       <p:ext uri="{BB962C8B-B14F-4D97-AF65-F5344CB8AC3E}">
-        <p14:creationId xmlns:p14="http://schemas.microsoft.com/office/powerpoint/2010/main" val="1909816310"/>
+        <p14:creationId xmlns:p14="http://schemas.microsoft.com/office/powerpoint/2010/main" val="1688850364"/>
       </p:ext>
     </p:extLst>
   </p:cSld>
@@ -1234,13 +1089,7 @@
       </p:grpSpPr>
       <p:sp>
         <p:nvSpPr>
-          <p:cNvPr id="2" name="Title 1">
-            <a:extLst>
-              <a:ext uri="{FF2B5EF4-FFF2-40B4-BE49-F238E27FC236}">
-                <a16:creationId xmlns:a16="http://schemas.microsoft.com/office/drawing/2014/main" id="{5214FD13-0E9F-F062-1664-D4680C18AB93}"/>
-              </a:ext>
-            </a:extLst>
-          </p:cNvPr>
+          <p:cNvPr id="2" name="Title 1"/>
           <p:cNvSpPr>
             <a:spLocks noGrp="1"/>
           </p:cNvSpPr>
@@ -1257,19 +1106,13 @@
               <a:rPr lang="en-US"/>
               <a:t>Click to edit Master title style</a:t>
             </a:r>
-            <a:endParaRPr lang="en-AU"/>
-          </a:p>
-        </p:txBody>
-      </p:sp>
-      <p:sp>
-        <p:nvSpPr>
-          <p:cNvPr id="3" name="Content Placeholder 2">
-            <a:extLst>
-              <a:ext uri="{FF2B5EF4-FFF2-40B4-BE49-F238E27FC236}">
-                <a16:creationId xmlns:a16="http://schemas.microsoft.com/office/drawing/2014/main" id="{4CA65951-EFB6-B915-7A79-308CEDED2B7A}"/>
-              </a:ext>
-            </a:extLst>
-          </p:cNvPr>
+            <a:endParaRPr lang="en-US" dirty="0"/>
+          </a:p>
+        </p:txBody>
+      </p:sp>
+      <p:sp>
+        <p:nvSpPr>
+          <p:cNvPr id="3" name="Content Placeholder 2"/>
           <p:cNvSpPr>
             <a:spLocks noGrp="1"/>
           </p:cNvSpPr>
@@ -1279,8 +1122,8 @@
         </p:nvSpPr>
         <p:spPr>
           <a:xfrm>
-            <a:off x="838200" y="1825625"/>
-            <a:ext cx="5181600" cy="4351338"/>
+            <a:off x="1658283" y="3641531"/>
+            <a:ext cx="10251202" cy="8679509"/>
           </a:xfrm>
         </p:spPr>
         <p:txBody>
@@ -1320,19 +1163,13 @@
               <a:rPr lang="en-US"/>
               <a:t>Fifth level</a:t>
             </a:r>
-            <a:endParaRPr lang="en-AU"/>
-          </a:p>
-        </p:txBody>
-      </p:sp>
-      <p:sp>
-        <p:nvSpPr>
-          <p:cNvPr id="4" name="Content Placeholder 3">
-            <a:extLst>
-              <a:ext uri="{FF2B5EF4-FFF2-40B4-BE49-F238E27FC236}">
-                <a16:creationId xmlns:a16="http://schemas.microsoft.com/office/drawing/2014/main" id="{FFFDAE1F-0418-6F50-9D04-BCF7962022F3}"/>
-              </a:ext>
-            </a:extLst>
-          </p:cNvPr>
+            <a:endParaRPr lang="en-US" dirty="0"/>
+          </a:p>
+        </p:txBody>
+      </p:sp>
+      <p:sp>
+        <p:nvSpPr>
+          <p:cNvPr id="4" name="Content Placeholder 3"/>
           <p:cNvSpPr>
             <a:spLocks noGrp="1"/>
           </p:cNvSpPr>
@@ -1342,8 +1179,8 @@
         </p:nvSpPr>
         <p:spPr>
           <a:xfrm>
-            <a:off x="6172200" y="1825625"/>
-            <a:ext cx="5181600" cy="4351338"/>
+            <a:off x="12210990" y="3641531"/>
+            <a:ext cx="10251202" cy="8679509"/>
           </a:xfrm>
         </p:spPr>
         <p:txBody>
@@ -1383,19 +1220,13 @@
               <a:rPr lang="en-US"/>
               <a:t>Fifth level</a:t>
             </a:r>
-            <a:endParaRPr lang="en-AU"/>
-          </a:p>
-        </p:txBody>
-      </p:sp>
-      <p:sp>
-        <p:nvSpPr>
-          <p:cNvPr id="5" name="Date Placeholder 4">
-            <a:extLst>
-              <a:ext uri="{FF2B5EF4-FFF2-40B4-BE49-F238E27FC236}">
-                <a16:creationId xmlns:a16="http://schemas.microsoft.com/office/drawing/2014/main" id="{06F133BD-3712-B80E-AF73-9BB054E958CD}"/>
-              </a:ext>
-            </a:extLst>
-          </p:cNvPr>
+            <a:endParaRPr lang="en-US" dirty="0"/>
+          </a:p>
+        </p:txBody>
+      </p:sp>
+      <p:sp>
+        <p:nvSpPr>
+          <p:cNvPr id="5" name="Date Placeholder 4"/>
           <p:cNvSpPr>
             <a:spLocks noGrp="1"/>
           </p:cNvSpPr>
@@ -1418,13 +1249,7 @@
       </p:sp>
       <p:sp>
         <p:nvSpPr>
-          <p:cNvPr id="6" name="Footer Placeholder 5">
-            <a:extLst>
-              <a:ext uri="{FF2B5EF4-FFF2-40B4-BE49-F238E27FC236}">
-                <a16:creationId xmlns:a16="http://schemas.microsoft.com/office/drawing/2014/main" id="{6AFFEADA-8AB3-3288-D1BA-BB799A30E39F}"/>
-              </a:ext>
-            </a:extLst>
-          </p:cNvPr>
+          <p:cNvPr id="6" name="Footer Placeholder 5"/>
           <p:cNvSpPr>
             <a:spLocks noGrp="1"/>
           </p:cNvSpPr>
@@ -1443,13 +1268,7 @@
       </p:sp>
       <p:sp>
         <p:nvSpPr>
-          <p:cNvPr id="7" name="Slide Number Placeholder 6">
-            <a:extLst>
-              <a:ext uri="{FF2B5EF4-FFF2-40B4-BE49-F238E27FC236}">
-                <a16:creationId xmlns:a16="http://schemas.microsoft.com/office/drawing/2014/main" id="{9FC412B7-85F7-8C56-F8B8-E1C9B2B8DA3E}"/>
-              </a:ext>
-            </a:extLst>
-          </p:cNvPr>
+          <p:cNvPr id="7" name="Slide Number Placeholder 6"/>
           <p:cNvSpPr>
             <a:spLocks noGrp="1"/>
           </p:cNvSpPr>
@@ -1473,7 +1292,7 @@
     </p:spTree>
     <p:extLst>
       <p:ext uri="{BB962C8B-B14F-4D97-AF65-F5344CB8AC3E}">
-        <p14:creationId xmlns:p14="http://schemas.microsoft.com/office/powerpoint/2010/main" val="1062543128"/>
+        <p14:creationId xmlns:p14="http://schemas.microsoft.com/office/powerpoint/2010/main" val="3535838217"/>
       </p:ext>
     </p:extLst>
   </p:cSld>
@@ -1502,13 +1321,7 @@
       </p:grpSpPr>
       <p:sp>
         <p:nvSpPr>
-          <p:cNvPr id="2" name="Title 1">
-            <a:extLst>
-              <a:ext uri="{FF2B5EF4-FFF2-40B4-BE49-F238E27FC236}">
-                <a16:creationId xmlns:a16="http://schemas.microsoft.com/office/drawing/2014/main" id="{F93A3ECF-1204-ECAA-B3BF-A29AE03302FA}"/>
-              </a:ext>
-            </a:extLst>
-          </p:cNvPr>
+          <p:cNvPr id="2" name="Title 1"/>
           <p:cNvSpPr>
             <a:spLocks noGrp="1"/>
           </p:cNvSpPr>
@@ -1518,8 +1331,8 @@
         </p:nvSpPr>
         <p:spPr>
           <a:xfrm>
-            <a:off x="839788" y="365125"/>
-            <a:ext cx="10515600" cy="1325563"/>
+            <a:off x="1661424" y="728307"/>
+            <a:ext cx="20803910" cy="2644069"/>
           </a:xfrm>
         </p:spPr>
         <p:txBody>
@@ -1530,19 +1343,13 @@
               <a:rPr lang="en-US"/>
               <a:t>Click to edit Master title style</a:t>
             </a:r>
-            <a:endParaRPr lang="en-AU"/>
-          </a:p>
-        </p:txBody>
-      </p:sp>
-      <p:sp>
-        <p:nvSpPr>
-          <p:cNvPr id="3" name="Text Placeholder 2">
-            <a:extLst>
-              <a:ext uri="{FF2B5EF4-FFF2-40B4-BE49-F238E27FC236}">
-                <a16:creationId xmlns:a16="http://schemas.microsoft.com/office/drawing/2014/main" id="{20876686-2439-AF6A-7A00-B88F9A83DA4A}"/>
-              </a:ext>
-            </a:extLst>
-          </p:cNvPr>
+            <a:endParaRPr lang="en-US" dirty="0"/>
+          </a:p>
+        </p:txBody>
+      </p:sp>
+      <p:sp>
+        <p:nvSpPr>
+          <p:cNvPr id="3" name="Text Placeholder 2"/>
           <p:cNvSpPr>
             <a:spLocks noGrp="1"/>
           </p:cNvSpPr>
@@ -1552,8 +1359,8 @@
         </p:nvSpPr>
         <p:spPr>
           <a:xfrm>
-            <a:off x="839788" y="1681163"/>
-            <a:ext cx="5157787" cy="823912"/>
+            <a:off x="1661425" y="3353376"/>
+            <a:ext cx="10204091" cy="1643437"/>
           </a:xfrm>
         </p:spPr>
         <p:txBody>
@@ -1561,39 +1368,39 @@
           <a:lstStyle>
             <a:lvl1pPr marL="0" indent="0">
               <a:buNone/>
-              <a:defRPr sz="2400" b="1"/>
+              <a:defRPr sz="4748" b="1"/>
             </a:lvl1pPr>
-            <a:lvl2pPr marL="457200" indent="0">
-              <a:buNone/>
-              <a:defRPr sz="2000" b="1"/>
+            <a:lvl2pPr marL="904524" indent="0">
+              <a:buNone/>
+              <a:defRPr sz="3957" b="1"/>
             </a:lvl2pPr>
-            <a:lvl3pPr marL="914400" indent="0">
-              <a:buNone/>
-              <a:defRPr sz="1800" b="1"/>
+            <a:lvl3pPr marL="1809049" indent="0">
+              <a:buNone/>
+              <a:defRPr sz="3561" b="1"/>
             </a:lvl3pPr>
-            <a:lvl4pPr marL="1371600" indent="0">
-              <a:buNone/>
-              <a:defRPr sz="1600" b="1"/>
+            <a:lvl4pPr marL="2713573" indent="0">
+              <a:buNone/>
+              <a:defRPr sz="3165" b="1"/>
             </a:lvl4pPr>
-            <a:lvl5pPr marL="1828800" indent="0">
-              <a:buNone/>
-              <a:defRPr sz="1600" b="1"/>
+            <a:lvl5pPr marL="3618098" indent="0">
+              <a:buNone/>
+              <a:defRPr sz="3165" b="1"/>
             </a:lvl5pPr>
-            <a:lvl6pPr marL="2286000" indent="0">
-              <a:buNone/>
-              <a:defRPr sz="1600" b="1"/>
+            <a:lvl6pPr marL="4522622" indent="0">
+              <a:buNone/>
+              <a:defRPr sz="3165" b="1"/>
             </a:lvl6pPr>
-            <a:lvl7pPr marL="2743200" indent="0">
-              <a:buNone/>
-              <a:defRPr sz="1600" b="1"/>
+            <a:lvl7pPr marL="5427147" indent="0">
+              <a:buNone/>
+              <a:defRPr sz="3165" b="1"/>
             </a:lvl7pPr>
-            <a:lvl8pPr marL="3200400" indent="0">
-              <a:buNone/>
-              <a:defRPr sz="1600" b="1"/>
+            <a:lvl8pPr marL="6331671" indent="0">
+              <a:buNone/>
+              <a:defRPr sz="3165" b="1"/>
             </a:lvl8pPr>
-            <a:lvl9pPr marL="3657600" indent="0">
-              <a:buNone/>
-              <a:defRPr sz="1600" b="1"/>
+            <a:lvl9pPr marL="7236196" indent="0">
+              <a:buNone/>
+              <a:defRPr sz="3165" b="1"/>
             </a:lvl9pPr>
           </a:lstStyle>
           <a:p>
@@ -1607,13 +1414,7 @@
       </p:sp>
       <p:sp>
         <p:nvSpPr>
-          <p:cNvPr id="4" name="Content Placeholder 3">
-            <a:extLst>
-              <a:ext uri="{FF2B5EF4-FFF2-40B4-BE49-F238E27FC236}">
-                <a16:creationId xmlns:a16="http://schemas.microsoft.com/office/drawing/2014/main" id="{892C8C15-B317-993A-53B8-F037DAFA70A3}"/>
-              </a:ext>
-            </a:extLst>
-          </p:cNvPr>
+          <p:cNvPr id="4" name="Content Placeholder 3"/>
           <p:cNvSpPr>
             <a:spLocks noGrp="1"/>
           </p:cNvSpPr>
@@ -1623,8 +1424,8 @@
         </p:nvSpPr>
         <p:spPr>
           <a:xfrm>
-            <a:off x="839788" y="2505075"/>
-            <a:ext cx="5157787" cy="3684588"/>
+            <a:off x="1661425" y="4996813"/>
+            <a:ext cx="10204091" cy="7349559"/>
           </a:xfrm>
         </p:spPr>
         <p:txBody>
@@ -1664,19 +1465,13 @@
               <a:rPr lang="en-US"/>
               <a:t>Fifth level</a:t>
             </a:r>
-            <a:endParaRPr lang="en-AU"/>
-          </a:p>
-        </p:txBody>
-      </p:sp>
-      <p:sp>
-        <p:nvSpPr>
-          <p:cNvPr id="5" name="Text Placeholder 4">
-            <a:extLst>
-              <a:ext uri="{FF2B5EF4-FFF2-40B4-BE49-F238E27FC236}">
-                <a16:creationId xmlns:a16="http://schemas.microsoft.com/office/drawing/2014/main" id="{D15254DA-9C30-2F88-7E04-6433A7E43A2A}"/>
-              </a:ext>
-            </a:extLst>
-          </p:cNvPr>
+            <a:endParaRPr lang="en-US" dirty="0"/>
+          </a:p>
+        </p:txBody>
+      </p:sp>
+      <p:sp>
+        <p:nvSpPr>
+          <p:cNvPr id="5" name="Text Placeholder 4"/>
           <p:cNvSpPr>
             <a:spLocks noGrp="1"/>
           </p:cNvSpPr>
@@ -1686,8 +1481,8 @@
         </p:nvSpPr>
         <p:spPr>
           <a:xfrm>
-            <a:off x="6172200" y="1681163"/>
-            <a:ext cx="5183188" cy="823912"/>
+            <a:off x="12210990" y="3353376"/>
+            <a:ext cx="10254344" cy="1643437"/>
           </a:xfrm>
         </p:spPr>
         <p:txBody>
@@ -1695,39 +1490,39 @@
           <a:lstStyle>
             <a:lvl1pPr marL="0" indent="0">
               <a:buNone/>
-              <a:defRPr sz="2400" b="1"/>
+              <a:defRPr sz="4748" b="1"/>
             </a:lvl1pPr>
-            <a:lvl2pPr marL="457200" indent="0">
-              <a:buNone/>
-              <a:defRPr sz="2000" b="1"/>
+            <a:lvl2pPr marL="904524" indent="0">
+              <a:buNone/>
+              <a:defRPr sz="3957" b="1"/>
             </a:lvl2pPr>
-            <a:lvl3pPr marL="914400" indent="0">
-              <a:buNone/>
-              <a:defRPr sz="1800" b="1"/>
+            <a:lvl3pPr marL="1809049" indent="0">
+              <a:buNone/>
+              <a:defRPr sz="3561" b="1"/>
             </a:lvl3pPr>
-            <a:lvl4pPr marL="1371600" indent="0">
-              <a:buNone/>
-              <a:defRPr sz="1600" b="1"/>
+            <a:lvl4pPr marL="2713573" indent="0">
+              <a:buNone/>
+              <a:defRPr sz="3165" b="1"/>
             </a:lvl4pPr>
-            <a:lvl5pPr marL="1828800" indent="0">
-              <a:buNone/>
-              <a:defRPr sz="1600" b="1"/>
+            <a:lvl5pPr marL="3618098" indent="0">
+              <a:buNone/>
+              <a:defRPr sz="3165" b="1"/>
             </a:lvl5pPr>
-            <a:lvl6pPr marL="2286000" indent="0">
-              <a:buNone/>
-              <a:defRPr sz="1600" b="1"/>
+            <a:lvl6pPr marL="4522622" indent="0">
+              <a:buNone/>
+              <a:defRPr sz="3165" b="1"/>
             </a:lvl6pPr>
-            <a:lvl7pPr marL="2743200" indent="0">
-              <a:buNone/>
-              <a:defRPr sz="1600" b="1"/>
+            <a:lvl7pPr marL="5427147" indent="0">
+              <a:buNone/>
+              <a:defRPr sz="3165" b="1"/>
             </a:lvl7pPr>
-            <a:lvl8pPr marL="3200400" indent="0">
-              <a:buNone/>
-              <a:defRPr sz="1600" b="1"/>
+            <a:lvl8pPr marL="6331671" indent="0">
+              <a:buNone/>
+              <a:defRPr sz="3165" b="1"/>
             </a:lvl8pPr>
-            <a:lvl9pPr marL="3657600" indent="0">
-              <a:buNone/>
-              <a:defRPr sz="1600" b="1"/>
+            <a:lvl9pPr marL="7236196" indent="0">
+              <a:buNone/>
+              <a:defRPr sz="3165" b="1"/>
             </a:lvl9pPr>
           </a:lstStyle>
           <a:p>
@@ -1741,13 +1536,7 @@
       </p:sp>
       <p:sp>
         <p:nvSpPr>
-          <p:cNvPr id="6" name="Content Placeholder 5">
-            <a:extLst>
-              <a:ext uri="{FF2B5EF4-FFF2-40B4-BE49-F238E27FC236}">
-                <a16:creationId xmlns:a16="http://schemas.microsoft.com/office/drawing/2014/main" id="{6B152584-60EB-2238-59F6-744BD42EA82D}"/>
-              </a:ext>
-            </a:extLst>
-          </p:cNvPr>
+          <p:cNvPr id="6" name="Content Placeholder 5"/>
           <p:cNvSpPr>
             <a:spLocks noGrp="1"/>
           </p:cNvSpPr>
@@ -1757,8 +1546,8 @@
         </p:nvSpPr>
         <p:spPr>
           <a:xfrm>
-            <a:off x="6172200" y="2505075"/>
-            <a:ext cx="5183188" cy="3684588"/>
+            <a:off x="12210990" y="4996813"/>
+            <a:ext cx="10254344" cy="7349559"/>
           </a:xfrm>
         </p:spPr>
         <p:txBody>
@@ -1798,19 +1587,13 @@
               <a:rPr lang="en-US"/>
               <a:t>Fifth level</a:t>
             </a:r>
-            <a:endParaRPr lang="en-AU"/>
-          </a:p>
-        </p:txBody>
-      </p:sp>
-      <p:sp>
-        <p:nvSpPr>
-          <p:cNvPr id="7" name="Date Placeholder 6">
-            <a:extLst>
-              <a:ext uri="{FF2B5EF4-FFF2-40B4-BE49-F238E27FC236}">
-                <a16:creationId xmlns:a16="http://schemas.microsoft.com/office/drawing/2014/main" id="{0EE0310A-FD2F-2F9D-74FD-66B0D6A60767}"/>
-              </a:ext>
-            </a:extLst>
-          </p:cNvPr>
+            <a:endParaRPr lang="en-US" dirty="0"/>
+          </a:p>
+        </p:txBody>
+      </p:sp>
+      <p:sp>
+        <p:nvSpPr>
+          <p:cNvPr id="7" name="Date Placeholder 6"/>
           <p:cNvSpPr>
             <a:spLocks noGrp="1"/>
           </p:cNvSpPr>
@@ -1833,13 +1616,7 @@
       </p:sp>
       <p:sp>
         <p:nvSpPr>
-          <p:cNvPr id="8" name="Footer Placeholder 7">
-            <a:extLst>
-              <a:ext uri="{FF2B5EF4-FFF2-40B4-BE49-F238E27FC236}">
-                <a16:creationId xmlns:a16="http://schemas.microsoft.com/office/drawing/2014/main" id="{81AD1570-8136-8389-763C-46A95B49EE30}"/>
-              </a:ext>
-            </a:extLst>
-          </p:cNvPr>
+          <p:cNvPr id="8" name="Footer Placeholder 7"/>
           <p:cNvSpPr>
             <a:spLocks noGrp="1"/>
           </p:cNvSpPr>
@@ -1858,13 +1635,7 @@
       </p:sp>
       <p:sp>
         <p:nvSpPr>
-          <p:cNvPr id="9" name="Slide Number Placeholder 8">
-            <a:extLst>
-              <a:ext uri="{FF2B5EF4-FFF2-40B4-BE49-F238E27FC236}">
-                <a16:creationId xmlns:a16="http://schemas.microsoft.com/office/drawing/2014/main" id="{E69DFA92-C36E-CE59-5E8F-67D22FFB5673}"/>
-              </a:ext>
-            </a:extLst>
-          </p:cNvPr>
+          <p:cNvPr id="9" name="Slide Number Placeholder 8"/>
           <p:cNvSpPr>
             <a:spLocks noGrp="1"/>
           </p:cNvSpPr>
@@ -1888,7 +1659,7 @@
     </p:spTree>
     <p:extLst>
       <p:ext uri="{BB962C8B-B14F-4D97-AF65-F5344CB8AC3E}">
-        <p14:creationId xmlns:p14="http://schemas.microsoft.com/office/powerpoint/2010/main" val="3929406224"/>
+        <p14:creationId xmlns:p14="http://schemas.microsoft.com/office/powerpoint/2010/main" val="520619317"/>
       </p:ext>
     </p:extLst>
   </p:cSld>
@@ -1917,13 +1688,7 @@
       </p:grpSpPr>
       <p:sp>
         <p:nvSpPr>
-          <p:cNvPr id="2" name="Title 1">
-            <a:extLst>
-              <a:ext uri="{FF2B5EF4-FFF2-40B4-BE49-F238E27FC236}">
-                <a16:creationId xmlns:a16="http://schemas.microsoft.com/office/drawing/2014/main" id="{1BC6A8B8-8EDE-CEDC-06A9-768BEF4AD0C9}"/>
-              </a:ext>
-            </a:extLst>
-          </p:cNvPr>
+          <p:cNvPr id="2" name="Title 1"/>
           <p:cNvSpPr>
             <a:spLocks noGrp="1"/>
           </p:cNvSpPr>
@@ -1940,19 +1705,13 @@
               <a:rPr lang="en-US"/>
               <a:t>Click to edit Master title style</a:t>
             </a:r>
-            <a:endParaRPr lang="en-AU"/>
-          </a:p>
-        </p:txBody>
-      </p:sp>
-      <p:sp>
-        <p:nvSpPr>
-          <p:cNvPr id="3" name="Date Placeholder 2">
-            <a:extLst>
-              <a:ext uri="{FF2B5EF4-FFF2-40B4-BE49-F238E27FC236}">
-                <a16:creationId xmlns:a16="http://schemas.microsoft.com/office/drawing/2014/main" id="{CD8A3CC0-008D-6E62-A994-76FF3788F0FE}"/>
-              </a:ext>
-            </a:extLst>
-          </p:cNvPr>
+            <a:endParaRPr lang="en-US" dirty="0"/>
+          </a:p>
+        </p:txBody>
+      </p:sp>
+      <p:sp>
+        <p:nvSpPr>
+          <p:cNvPr id="3" name="Date Placeholder 2"/>
           <p:cNvSpPr>
             <a:spLocks noGrp="1"/>
           </p:cNvSpPr>
@@ -1975,13 +1734,7 @@
       </p:sp>
       <p:sp>
         <p:nvSpPr>
-          <p:cNvPr id="4" name="Footer Placeholder 3">
-            <a:extLst>
-              <a:ext uri="{FF2B5EF4-FFF2-40B4-BE49-F238E27FC236}">
-                <a16:creationId xmlns:a16="http://schemas.microsoft.com/office/drawing/2014/main" id="{767C28C4-9F07-2654-F143-EC52C086E514}"/>
-              </a:ext>
-            </a:extLst>
-          </p:cNvPr>
+          <p:cNvPr id="4" name="Footer Placeholder 3"/>
           <p:cNvSpPr>
             <a:spLocks noGrp="1"/>
           </p:cNvSpPr>
@@ -2000,13 +1753,7 @@
       </p:sp>
       <p:sp>
         <p:nvSpPr>
-          <p:cNvPr id="5" name="Slide Number Placeholder 4">
-            <a:extLst>
-              <a:ext uri="{FF2B5EF4-FFF2-40B4-BE49-F238E27FC236}">
-                <a16:creationId xmlns:a16="http://schemas.microsoft.com/office/drawing/2014/main" id="{78553DEA-967A-8440-B964-BB55BCFF102A}"/>
-              </a:ext>
-            </a:extLst>
-          </p:cNvPr>
+          <p:cNvPr id="5" name="Slide Number Placeholder 4"/>
           <p:cNvSpPr>
             <a:spLocks noGrp="1"/>
           </p:cNvSpPr>
@@ -2030,7 +1777,7 @@
     </p:spTree>
     <p:extLst>
       <p:ext uri="{BB962C8B-B14F-4D97-AF65-F5344CB8AC3E}">
-        <p14:creationId xmlns:p14="http://schemas.microsoft.com/office/powerpoint/2010/main" val="2884310103"/>
+        <p14:creationId xmlns:p14="http://schemas.microsoft.com/office/powerpoint/2010/main" val="1470671457"/>
       </p:ext>
     </p:extLst>
   </p:cSld>
@@ -2059,13 +1806,7 @@
       </p:grpSpPr>
       <p:sp>
         <p:nvSpPr>
-          <p:cNvPr id="2" name="Date Placeholder 1">
-            <a:extLst>
-              <a:ext uri="{FF2B5EF4-FFF2-40B4-BE49-F238E27FC236}">
-                <a16:creationId xmlns:a16="http://schemas.microsoft.com/office/drawing/2014/main" id="{0F189C42-617C-1280-25AF-F0AB70097FF3}"/>
-              </a:ext>
-            </a:extLst>
-          </p:cNvPr>
+          <p:cNvPr id="2" name="Date Placeholder 1"/>
           <p:cNvSpPr>
             <a:spLocks noGrp="1"/>
           </p:cNvSpPr>
@@ -2088,13 +1829,7 @@
       </p:sp>
       <p:sp>
         <p:nvSpPr>
-          <p:cNvPr id="3" name="Footer Placeholder 2">
-            <a:extLst>
-              <a:ext uri="{FF2B5EF4-FFF2-40B4-BE49-F238E27FC236}">
-                <a16:creationId xmlns:a16="http://schemas.microsoft.com/office/drawing/2014/main" id="{CDA7DB83-8EC1-D6CF-DCD2-593859D44CB6}"/>
-              </a:ext>
-            </a:extLst>
-          </p:cNvPr>
+          <p:cNvPr id="3" name="Footer Placeholder 2"/>
           <p:cNvSpPr>
             <a:spLocks noGrp="1"/>
           </p:cNvSpPr>
@@ -2113,13 +1848,7 @@
       </p:sp>
       <p:sp>
         <p:nvSpPr>
-          <p:cNvPr id="4" name="Slide Number Placeholder 3">
-            <a:extLst>
-              <a:ext uri="{FF2B5EF4-FFF2-40B4-BE49-F238E27FC236}">
-                <a16:creationId xmlns:a16="http://schemas.microsoft.com/office/drawing/2014/main" id="{B1351E7B-5649-08E7-98DF-5814B3AD8739}"/>
-              </a:ext>
-            </a:extLst>
-          </p:cNvPr>
+          <p:cNvPr id="4" name="Slide Number Placeholder 3"/>
           <p:cNvSpPr>
             <a:spLocks noGrp="1"/>
           </p:cNvSpPr>
@@ -2143,7 +1872,7 @@
     </p:spTree>
     <p:extLst>
       <p:ext uri="{BB962C8B-B14F-4D97-AF65-F5344CB8AC3E}">
-        <p14:creationId xmlns:p14="http://schemas.microsoft.com/office/powerpoint/2010/main" val="4089238544"/>
+        <p14:creationId xmlns:p14="http://schemas.microsoft.com/office/powerpoint/2010/main" val="3419145038"/>
       </p:ext>
     </p:extLst>
   </p:cSld>
@@ -2172,13 +1901,7 @@
       </p:grpSpPr>
       <p:sp>
         <p:nvSpPr>
-          <p:cNvPr id="2" name="Title 1">
-            <a:extLst>
-              <a:ext uri="{FF2B5EF4-FFF2-40B4-BE49-F238E27FC236}">
-                <a16:creationId xmlns:a16="http://schemas.microsoft.com/office/drawing/2014/main" id="{971FBE0A-90ED-2F41-30DD-84E106D90BE5}"/>
-              </a:ext>
-            </a:extLst>
-          </p:cNvPr>
+          <p:cNvPr id="2" name="Title 1"/>
           <p:cNvSpPr>
             <a:spLocks noGrp="1"/>
           </p:cNvSpPr>
@@ -2188,15 +1911,15 @@
         </p:nvSpPr>
         <p:spPr>
           <a:xfrm>
-            <a:off x="839788" y="457200"/>
-            <a:ext cx="3932237" cy="1600200"/>
+            <a:off x="1661425" y="911966"/>
+            <a:ext cx="7779480" cy="3191881"/>
           </a:xfrm>
         </p:spPr>
         <p:txBody>
           <a:bodyPr anchor="b"/>
           <a:lstStyle>
             <a:lvl1pPr>
-              <a:defRPr sz="3200"/>
+              <a:defRPr sz="6331"/>
             </a:lvl1pPr>
           </a:lstStyle>
           <a:p>
@@ -2204,19 +1927,13 @@
               <a:rPr lang="en-US"/>
               <a:t>Click to edit Master title style</a:t>
             </a:r>
-            <a:endParaRPr lang="en-AU"/>
-          </a:p>
-        </p:txBody>
-      </p:sp>
-      <p:sp>
-        <p:nvSpPr>
-          <p:cNvPr id="3" name="Content Placeholder 2">
-            <a:extLst>
-              <a:ext uri="{FF2B5EF4-FFF2-40B4-BE49-F238E27FC236}">
-                <a16:creationId xmlns:a16="http://schemas.microsoft.com/office/drawing/2014/main" id="{B4F31320-45DA-C2D3-FCFD-531514693CBD}"/>
-              </a:ext>
-            </a:extLst>
-          </p:cNvPr>
+            <a:endParaRPr lang="en-US" dirty="0"/>
+          </a:p>
+        </p:txBody>
+      </p:sp>
+      <p:sp>
+        <p:nvSpPr>
+          <p:cNvPr id="3" name="Content Placeholder 2"/>
           <p:cNvSpPr>
             <a:spLocks noGrp="1"/>
           </p:cNvSpPr>
@@ -2226,39 +1943,39 @@
         </p:nvSpPr>
         <p:spPr>
           <a:xfrm>
-            <a:off x="5183188" y="987425"/>
-            <a:ext cx="6172200" cy="4873625"/>
+            <a:off x="10254344" y="1969594"/>
+            <a:ext cx="12210990" cy="9721303"/>
           </a:xfrm>
         </p:spPr>
         <p:txBody>
           <a:bodyPr/>
           <a:lstStyle>
             <a:lvl1pPr>
-              <a:defRPr sz="3200"/>
+              <a:defRPr sz="6331"/>
             </a:lvl1pPr>
             <a:lvl2pPr>
-              <a:defRPr sz="2800"/>
+              <a:defRPr sz="5540"/>
             </a:lvl2pPr>
             <a:lvl3pPr>
-              <a:defRPr sz="2400"/>
+              <a:defRPr sz="4748"/>
             </a:lvl3pPr>
             <a:lvl4pPr>
-              <a:defRPr sz="2000"/>
+              <a:defRPr sz="3957"/>
             </a:lvl4pPr>
             <a:lvl5pPr>
-              <a:defRPr sz="2000"/>
+              <a:defRPr sz="3957"/>
             </a:lvl5pPr>
             <a:lvl6pPr>
-              <a:defRPr sz="2000"/>
+              <a:defRPr sz="3957"/>
             </a:lvl6pPr>
             <a:lvl7pPr>
-              <a:defRPr sz="2000"/>
+              <a:defRPr sz="3957"/>
             </a:lvl7pPr>
             <a:lvl8pPr>
-              <a:defRPr sz="2000"/>
+              <a:defRPr sz="3957"/>
             </a:lvl8pPr>
             <a:lvl9pPr>
-              <a:defRPr sz="2000"/>
+              <a:defRPr sz="3957"/>
             </a:lvl9pPr>
           </a:lstStyle>
           <a:p>
@@ -2295,19 +2012,13 @@
               <a:rPr lang="en-US"/>
               <a:t>Fifth level</a:t>
             </a:r>
-            <a:endParaRPr lang="en-AU"/>
-          </a:p>
-        </p:txBody>
-      </p:sp>
-      <p:sp>
-        <p:nvSpPr>
-          <p:cNvPr id="4" name="Text Placeholder 3">
-            <a:extLst>
-              <a:ext uri="{FF2B5EF4-FFF2-40B4-BE49-F238E27FC236}">
-                <a16:creationId xmlns:a16="http://schemas.microsoft.com/office/drawing/2014/main" id="{37342791-7C90-7C74-0F9F-E637C9935032}"/>
-              </a:ext>
-            </a:extLst>
-          </p:cNvPr>
+            <a:endParaRPr lang="en-US" dirty="0"/>
+          </a:p>
+        </p:txBody>
+      </p:sp>
+      <p:sp>
+        <p:nvSpPr>
+          <p:cNvPr id="4" name="Text Placeholder 3"/>
           <p:cNvSpPr>
             <a:spLocks noGrp="1"/>
           </p:cNvSpPr>
@@ -2317,8 +2028,8 @@
         </p:nvSpPr>
         <p:spPr>
           <a:xfrm>
-            <a:off x="839788" y="2057400"/>
-            <a:ext cx="3932237" cy="3811588"/>
+            <a:off x="1661425" y="4103846"/>
+            <a:ext cx="7779480" cy="7602883"/>
           </a:xfrm>
         </p:spPr>
         <p:txBody>
@@ -2326,39 +2037,39 @@
           <a:lstStyle>
             <a:lvl1pPr marL="0" indent="0">
               <a:buNone/>
-              <a:defRPr sz="1600"/>
+              <a:defRPr sz="3165"/>
             </a:lvl1pPr>
-            <a:lvl2pPr marL="457200" indent="0">
-              <a:buNone/>
-              <a:defRPr sz="1400"/>
+            <a:lvl2pPr marL="904524" indent="0">
+              <a:buNone/>
+              <a:defRPr sz="2770"/>
             </a:lvl2pPr>
-            <a:lvl3pPr marL="914400" indent="0">
-              <a:buNone/>
-              <a:defRPr sz="1200"/>
+            <a:lvl3pPr marL="1809049" indent="0">
+              <a:buNone/>
+              <a:defRPr sz="2374"/>
             </a:lvl3pPr>
-            <a:lvl4pPr marL="1371600" indent="0">
-              <a:buNone/>
-              <a:defRPr sz="1000"/>
+            <a:lvl4pPr marL="2713573" indent="0">
+              <a:buNone/>
+              <a:defRPr sz="1978"/>
             </a:lvl4pPr>
-            <a:lvl5pPr marL="1828800" indent="0">
-              <a:buNone/>
-              <a:defRPr sz="1000"/>
+            <a:lvl5pPr marL="3618098" indent="0">
+              <a:buNone/>
+              <a:defRPr sz="1978"/>
             </a:lvl5pPr>
-            <a:lvl6pPr marL="2286000" indent="0">
-              <a:buNone/>
-              <a:defRPr sz="1000"/>
+            <a:lvl6pPr marL="4522622" indent="0">
+              <a:buNone/>
+              <a:defRPr sz="1978"/>
             </a:lvl6pPr>
-            <a:lvl7pPr marL="2743200" indent="0">
-              <a:buNone/>
-              <a:defRPr sz="1000"/>
+            <a:lvl7pPr marL="5427147" indent="0">
+              <a:buNone/>
+              <a:defRPr sz="1978"/>
             </a:lvl7pPr>
-            <a:lvl8pPr marL="3200400" indent="0">
-              <a:buNone/>
-              <a:defRPr sz="1000"/>
+            <a:lvl8pPr marL="6331671" indent="0">
+              <a:buNone/>
+              <a:defRPr sz="1978"/>
             </a:lvl8pPr>
-            <a:lvl9pPr marL="3657600" indent="0">
-              <a:buNone/>
-              <a:defRPr sz="1000"/>
+            <a:lvl9pPr marL="7236196" indent="0">
+              <a:buNone/>
+              <a:defRPr sz="1978"/>
             </a:lvl9pPr>
           </a:lstStyle>
           <a:p>
@@ -2372,13 +2083,7 @@
       </p:sp>
       <p:sp>
         <p:nvSpPr>
-          <p:cNvPr id="5" name="Date Placeholder 4">
-            <a:extLst>
-              <a:ext uri="{FF2B5EF4-FFF2-40B4-BE49-F238E27FC236}">
-                <a16:creationId xmlns:a16="http://schemas.microsoft.com/office/drawing/2014/main" id="{9802B44C-E063-C30A-D73A-6D1BE6C0BD06}"/>
-              </a:ext>
-            </a:extLst>
-          </p:cNvPr>
+          <p:cNvPr id="5" name="Date Placeholder 4"/>
           <p:cNvSpPr>
             <a:spLocks noGrp="1"/>
           </p:cNvSpPr>
@@ -2401,13 +2106,7 @@
       </p:sp>
       <p:sp>
         <p:nvSpPr>
-          <p:cNvPr id="6" name="Footer Placeholder 5">
-            <a:extLst>
-              <a:ext uri="{FF2B5EF4-FFF2-40B4-BE49-F238E27FC236}">
-                <a16:creationId xmlns:a16="http://schemas.microsoft.com/office/drawing/2014/main" id="{105E72E8-EE5B-4BE3-CD73-2B6CA2BD1C8F}"/>
-              </a:ext>
-            </a:extLst>
-          </p:cNvPr>
+          <p:cNvPr id="6" name="Footer Placeholder 5"/>
           <p:cNvSpPr>
             <a:spLocks noGrp="1"/>
           </p:cNvSpPr>
@@ -2426,13 +2125,7 @@
       </p:sp>
       <p:sp>
         <p:nvSpPr>
-          <p:cNvPr id="7" name="Slide Number Placeholder 6">
-            <a:extLst>
-              <a:ext uri="{FF2B5EF4-FFF2-40B4-BE49-F238E27FC236}">
-                <a16:creationId xmlns:a16="http://schemas.microsoft.com/office/drawing/2014/main" id="{23D6E7F2-9188-F93F-2E5C-37A9A1E11C52}"/>
-              </a:ext>
-            </a:extLst>
-          </p:cNvPr>
+          <p:cNvPr id="7" name="Slide Number Placeholder 6"/>
           <p:cNvSpPr>
             <a:spLocks noGrp="1"/>
           </p:cNvSpPr>
@@ -2456,7 +2149,7 @@
     </p:spTree>
     <p:extLst>
       <p:ext uri="{BB962C8B-B14F-4D97-AF65-F5344CB8AC3E}">
-        <p14:creationId xmlns:p14="http://schemas.microsoft.com/office/powerpoint/2010/main" val="3679572849"/>
+        <p14:creationId xmlns:p14="http://schemas.microsoft.com/office/powerpoint/2010/main" val="409592457"/>
       </p:ext>
     </p:extLst>
   </p:cSld>
@@ -2485,13 +2178,7 @@
       </p:grpSpPr>
       <p:sp>
         <p:nvSpPr>
-          <p:cNvPr id="2" name="Title 1">
-            <a:extLst>
-              <a:ext uri="{FF2B5EF4-FFF2-40B4-BE49-F238E27FC236}">
-                <a16:creationId xmlns:a16="http://schemas.microsoft.com/office/drawing/2014/main" id="{216F9D16-7CAA-B6CD-D5F1-68CE6A284B0C}"/>
-              </a:ext>
-            </a:extLst>
-          </p:cNvPr>
+          <p:cNvPr id="2" name="Title 1"/>
           <p:cNvSpPr>
             <a:spLocks noGrp="1"/>
           </p:cNvSpPr>
@@ -2501,15 +2188,15 @@
         </p:nvSpPr>
         <p:spPr>
           <a:xfrm>
-            <a:off x="839788" y="457200"/>
-            <a:ext cx="3932237" cy="1600200"/>
+            <a:off x="1661425" y="911966"/>
+            <a:ext cx="7779480" cy="3191881"/>
           </a:xfrm>
         </p:spPr>
         <p:txBody>
           <a:bodyPr anchor="b"/>
           <a:lstStyle>
             <a:lvl1pPr>
-              <a:defRPr sz="3200"/>
+              <a:defRPr sz="6331"/>
             </a:lvl1pPr>
           </a:lstStyle>
           <a:p>
@@ -2517,21 +2204,15 @@
               <a:rPr lang="en-US"/>
               <a:t>Click to edit Master title style</a:t>
             </a:r>
-            <a:endParaRPr lang="en-AU"/>
-          </a:p>
-        </p:txBody>
-      </p:sp>
-      <p:sp>
-        <p:nvSpPr>
-          <p:cNvPr id="3" name="Picture Placeholder 2">
-            <a:extLst>
-              <a:ext uri="{FF2B5EF4-FFF2-40B4-BE49-F238E27FC236}">
-                <a16:creationId xmlns:a16="http://schemas.microsoft.com/office/drawing/2014/main" id="{138A17FD-28DF-7544-F8D7-296ED55AF9BA}"/>
-              </a:ext>
-            </a:extLst>
-          </p:cNvPr>
-          <p:cNvSpPr>
-            <a:spLocks noGrp="1"/>
+            <a:endParaRPr lang="en-US" dirty="0"/>
+          </a:p>
+        </p:txBody>
+      </p:sp>
+      <p:sp>
+        <p:nvSpPr>
+          <p:cNvPr id="3" name="Picture Placeholder 2"/>
+          <p:cNvSpPr>
+            <a:spLocks noGrp="1" noChangeAspect="1"/>
           </p:cNvSpPr>
           <p:nvPr>
             <p:ph type="pic" idx="1"/>
@@ -2539,8 +2220,73 @@
         </p:nvSpPr>
         <p:spPr>
           <a:xfrm>
-            <a:off x="5183188" y="987425"/>
-            <a:ext cx="6172200" cy="4873625"/>
+            <a:off x="10254344" y="1969594"/>
+            <a:ext cx="12210990" cy="9721303"/>
+          </a:xfrm>
+        </p:spPr>
+        <p:txBody>
+          <a:bodyPr anchor="t"/>
+          <a:lstStyle>
+            <a:lvl1pPr marL="0" indent="0">
+              <a:buNone/>
+              <a:defRPr sz="6331"/>
+            </a:lvl1pPr>
+            <a:lvl2pPr marL="904524" indent="0">
+              <a:buNone/>
+              <a:defRPr sz="5540"/>
+            </a:lvl2pPr>
+            <a:lvl3pPr marL="1809049" indent="0">
+              <a:buNone/>
+              <a:defRPr sz="4748"/>
+            </a:lvl3pPr>
+            <a:lvl4pPr marL="2713573" indent="0">
+              <a:buNone/>
+              <a:defRPr sz="3957"/>
+            </a:lvl4pPr>
+            <a:lvl5pPr marL="3618098" indent="0">
+              <a:buNone/>
+              <a:defRPr sz="3957"/>
+            </a:lvl5pPr>
+            <a:lvl6pPr marL="4522622" indent="0">
+              <a:buNone/>
+              <a:defRPr sz="3957"/>
+            </a:lvl6pPr>
+            <a:lvl7pPr marL="5427147" indent="0">
+              <a:buNone/>
+              <a:defRPr sz="3957"/>
+            </a:lvl7pPr>
+            <a:lvl8pPr marL="6331671" indent="0">
+              <a:buNone/>
+              <a:defRPr sz="3957"/>
+            </a:lvl8pPr>
+            <a:lvl9pPr marL="7236196" indent="0">
+              <a:buNone/>
+              <a:defRPr sz="3957"/>
+            </a:lvl9pPr>
+          </a:lstStyle>
+          <a:p>
+            <a:r>
+              <a:rPr lang="en-US"/>
+              <a:t>Click icon to add picture</a:t>
+            </a:r>
+            <a:endParaRPr lang="en-US" dirty="0"/>
+          </a:p>
+        </p:txBody>
+      </p:sp>
+      <p:sp>
+        <p:nvSpPr>
+          <p:cNvPr id="4" name="Text Placeholder 3"/>
+          <p:cNvSpPr>
+            <a:spLocks noGrp="1"/>
+          </p:cNvSpPr>
+          <p:nvPr>
+            <p:ph type="body" sz="half" idx="2"/>
+          </p:nvPr>
+        </p:nvSpPr>
+        <p:spPr>
+          <a:xfrm>
+            <a:off x="1661425" y="4103846"/>
+            <a:ext cx="7779480" cy="7602883"/>
           </a:xfrm>
         </p:spPr>
         <p:txBody>
@@ -2548,109 +2294,42 @@
           <a:lstStyle>
             <a:lvl1pPr marL="0" indent="0">
               <a:buNone/>
-              <a:defRPr sz="3200"/>
+              <a:defRPr sz="3165"/>
             </a:lvl1pPr>
-            <a:lvl2pPr marL="457200" indent="0">
-              <a:buNone/>
-              <a:defRPr sz="2800"/>
+            <a:lvl2pPr marL="904524" indent="0">
+              <a:buNone/>
+              <a:defRPr sz="2770"/>
             </a:lvl2pPr>
-            <a:lvl3pPr marL="914400" indent="0">
-              <a:buNone/>
-              <a:defRPr sz="2400"/>
+            <a:lvl3pPr marL="1809049" indent="0">
+              <a:buNone/>
+              <a:defRPr sz="2374"/>
             </a:lvl3pPr>
-            <a:lvl4pPr marL="1371600" indent="0">
-              <a:buNone/>
-              <a:defRPr sz="2000"/>
+            <a:lvl4pPr marL="2713573" indent="0">
+              <a:buNone/>
+              <a:defRPr sz="1978"/>
             </a:lvl4pPr>
-            <a:lvl5pPr marL="1828800" indent="0">
-              <a:buNone/>
-              <a:defRPr sz="2000"/>
+            <a:lvl5pPr marL="3618098" indent="0">
+              <a:buNone/>
+              <a:defRPr sz="1978"/>
             </a:lvl5pPr>
-            <a:lvl6pPr marL="2286000" indent="0">
-              <a:buNone/>
-              <a:defRPr sz="2000"/>
+            <a:lvl6pPr marL="4522622" indent="0">
+              <a:buNone/>
+              <a:defRPr sz="1978"/>
             </a:lvl6pPr>
-            <a:lvl7pPr marL="2743200" indent="0">
-              <a:buNone/>
-              <a:defRPr sz="2000"/>
+            <a:lvl7pPr marL="5427147" indent="0">
+              <a:buNone/>
+              <a:defRPr sz="1978"/>
             </a:lvl7pPr>
-            <a:lvl8pPr marL="3200400" indent="0">
-              <a:buNone/>
-              <a:defRPr sz="2000"/>
+            <a:lvl8pPr marL="6331671" indent="0">
+              <a:buNone/>
+              <a:defRPr sz="1978"/>
             </a:lvl8pPr>
-            <a:lvl9pPr marL="3657600" indent="0">
-              <a:buNone/>
-              <a:defRPr sz="2000"/>
+            <a:lvl9pPr marL="7236196" indent="0">
+              <a:buNone/>
+              <a:defRPr sz="1978"/>
             </a:lvl9pPr>
           </a:lstStyle>
           <a:p>
-            <a:endParaRPr lang="en-AU"/>
-          </a:p>
-        </p:txBody>
-      </p:sp>
-      <p:sp>
-        <p:nvSpPr>
-          <p:cNvPr id="4" name="Text Placeholder 3">
-            <a:extLst>
-              <a:ext uri="{FF2B5EF4-FFF2-40B4-BE49-F238E27FC236}">
-                <a16:creationId xmlns:a16="http://schemas.microsoft.com/office/drawing/2014/main" id="{3B94B503-DEDE-B0CB-B582-E59E67FD3BDB}"/>
-              </a:ext>
-            </a:extLst>
-          </p:cNvPr>
-          <p:cNvSpPr>
-            <a:spLocks noGrp="1"/>
-          </p:cNvSpPr>
-          <p:nvPr>
-            <p:ph type="body" sz="half" idx="2"/>
-          </p:nvPr>
-        </p:nvSpPr>
-        <p:spPr>
-          <a:xfrm>
-            <a:off x="839788" y="2057400"/>
-            <a:ext cx="3932237" cy="3811588"/>
-          </a:xfrm>
-        </p:spPr>
-        <p:txBody>
-          <a:bodyPr/>
-          <a:lstStyle>
-            <a:lvl1pPr marL="0" indent="0">
-              <a:buNone/>
-              <a:defRPr sz="1600"/>
-            </a:lvl1pPr>
-            <a:lvl2pPr marL="457200" indent="0">
-              <a:buNone/>
-              <a:defRPr sz="1400"/>
-            </a:lvl2pPr>
-            <a:lvl3pPr marL="914400" indent="0">
-              <a:buNone/>
-              <a:defRPr sz="1200"/>
-            </a:lvl3pPr>
-            <a:lvl4pPr marL="1371600" indent="0">
-              <a:buNone/>
-              <a:defRPr sz="1000"/>
-            </a:lvl4pPr>
-            <a:lvl5pPr marL="1828800" indent="0">
-              <a:buNone/>
-              <a:defRPr sz="1000"/>
-            </a:lvl5pPr>
-            <a:lvl6pPr marL="2286000" indent="0">
-              <a:buNone/>
-              <a:defRPr sz="1000"/>
-            </a:lvl6pPr>
-            <a:lvl7pPr marL="2743200" indent="0">
-              <a:buNone/>
-              <a:defRPr sz="1000"/>
-            </a:lvl7pPr>
-            <a:lvl8pPr marL="3200400" indent="0">
-              <a:buNone/>
-              <a:defRPr sz="1000"/>
-            </a:lvl8pPr>
-            <a:lvl9pPr marL="3657600" indent="0">
-              <a:buNone/>
-              <a:defRPr sz="1000"/>
-            </a:lvl9pPr>
-          </a:lstStyle>
-          <a:p>
             <a:pPr lvl="0"/>
             <a:r>
               <a:rPr lang="en-US"/>
@@ -2661,13 +2340,7 @@
       </p:sp>
       <p:sp>
         <p:nvSpPr>
-          <p:cNvPr id="5" name="Date Placeholder 4">
-            <a:extLst>
-              <a:ext uri="{FF2B5EF4-FFF2-40B4-BE49-F238E27FC236}">
-                <a16:creationId xmlns:a16="http://schemas.microsoft.com/office/drawing/2014/main" id="{7E380D88-6205-B348-777D-8DBDC12B08FB}"/>
-              </a:ext>
-            </a:extLst>
-          </p:cNvPr>
+          <p:cNvPr id="5" name="Date Placeholder 4"/>
           <p:cNvSpPr>
             <a:spLocks noGrp="1"/>
           </p:cNvSpPr>
@@ -2690,13 +2363,7 @@
       </p:sp>
       <p:sp>
         <p:nvSpPr>
-          <p:cNvPr id="6" name="Footer Placeholder 5">
-            <a:extLst>
-              <a:ext uri="{FF2B5EF4-FFF2-40B4-BE49-F238E27FC236}">
-                <a16:creationId xmlns:a16="http://schemas.microsoft.com/office/drawing/2014/main" id="{53F7369F-F7AB-4010-8EFB-CF6FF760BDD6}"/>
-              </a:ext>
-            </a:extLst>
-          </p:cNvPr>
+          <p:cNvPr id="6" name="Footer Placeholder 5"/>
           <p:cNvSpPr>
             <a:spLocks noGrp="1"/>
           </p:cNvSpPr>
@@ -2715,13 +2382,7 @@
       </p:sp>
       <p:sp>
         <p:nvSpPr>
-          <p:cNvPr id="7" name="Slide Number Placeholder 6">
-            <a:extLst>
-              <a:ext uri="{FF2B5EF4-FFF2-40B4-BE49-F238E27FC236}">
-                <a16:creationId xmlns:a16="http://schemas.microsoft.com/office/drawing/2014/main" id="{C8EE4407-12B8-54A3-2694-19F42AF24004}"/>
-              </a:ext>
-            </a:extLst>
-          </p:cNvPr>
+          <p:cNvPr id="7" name="Slide Number Placeholder 6"/>
           <p:cNvSpPr>
             <a:spLocks noGrp="1"/>
           </p:cNvSpPr>
@@ -2745,7 +2406,7 @@
     </p:spTree>
     <p:extLst>
       <p:ext uri="{BB962C8B-B14F-4D97-AF65-F5344CB8AC3E}">
-        <p14:creationId xmlns:p14="http://schemas.microsoft.com/office/powerpoint/2010/main" val="2647877259"/>
+        <p14:creationId xmlns:p14="http://schemas.microsoft.com/office/powerpoint/2010/main" val="3433466834"/>
       </p:ext>
     </p:extLst>
   </p:cSld>
@@ -2779,13 +2440,7 @@
       </p:grpSpPr>
       <p:sp>
         <p:nvSpPr>
-          <p:cNvPr id="2" name="Title Placeholder 1">
-            <a:extLst>
-              <a:ext uri="{FF2B5EF4-FFF2-40B4-BE49-F238E27FC236}">
-                <a16:creationId xmlns:a16="http://schemas.microsoft.com/office/drawing/2014/main" id="{D8ABEF1C-04F2-0BF5-6EEA-C912A1C1AAA4}"/>
-              </a:ext>
-            </a:extLst>
-          </p:cNvPr>
+          <p:cNvPr id="2" name="Title Placeholder 1"/>
           <p:cNvSpPr>
             <a:spLocks noGrp="1"/>
           </p:cNvSpPr>
@@ -2795,8 +2450,8 @@
         </p:nvSpPr>
         <p:spPr>
           <a:xfrm>
-            <a:off x="838200" y="365125"/>
-            <a:ext cx="10515600" cy="1325563"/>
+            <a:off x="1658283" y="728307"/>
+            <a:ext cx="20803910" cy="2644069"/>
           </a:xfrm>
           <a:prstGeom prst="rect">
             <a:avLst/>
@@ -2812,19 +2467,13 @@
               <a:rPr lang="en-US"/>
               <a:t>Click to edit Master title style</a:t>
             </a:r>
-            <a:endParaRPr lang="en-AU"/>
-          </a:p>
-        </p:txBody>
-      </p:sp>
-      <p:sp>
-        <p:nvSpPr>
-          <p:cNvPr id="3" name="Text Placeholder 2">
-            <a:extLst>
-              <a:ext uri="{FF2B5EF4-FFF2-40B4-BE49-F238E27FC236}">
-                <a16:creationId xmlns:a16="http://schemas.microsoft.com/office/drawing/2014/main" id="{7B9E7CD0-5452-A1AF-ABD9-1F5155C1FDCD}"/>
-              </a:ext>
-            </a:extLst>
-          </p:cNvPr>
+            <a:endParaRPr lang="en-US" dirty="0"/>
+          </a:p>
+        </p:txBody>
+      </p:sp>
+      <p:sp>
+        <p:nvSpPr>
+          <p:cNvPr id="3" name="Text Placeholder 2"/>
           <p:cNvSpPr>
             <a:spLocks noGrp="1"/>
           </p:cNvSpPr>
@@ -2834,8 +2483,8 @@
         </p:nvSpPr>
         <p:spPr>
           <a:xfrm>
-            <a:off x="838200" y="1825625"/>
-            <a:ext cx="10515600" cy="4351338"/>
+            <a:off x="1658283" y="3641531"/>
+            <a:ext cx="20803910" cy="8679509"/>
           </a:xfrm>
           <a:prstGeom prst="rect">
             <a:avLst/>
@@ -2880,19 +2529,13 @@
               <a:rPr lang="en-US"/>
               <a:t>Fifth level</a:t>
             </a:r>
-            <a:endParaRPr lang="en-AU"/>
-          </a:p>
-        </p:txBody>
-      </p:sp>
-      <p:sp>
-        <p:nvSpPr>
-          <p:cNvPr id="4" name="Date Placeholder 3">
-            <a:extLst>
-              <a:ext uri="{FF2B5EF4-FFF2-40B4-BE49-F238E27FC236}">
-                <a16:creationId xmlns:a16="http://schemas.microsoft.com/office/drawing/2014/main" id="{4B0510DE-37D6-1D33-9F31-F179D2E34AFC}"/>
-              </a:ext>
-            </a:extLst>
-          </p:cNvPr>
+            <a:endParaRPr lang="en-US" dirty="0"/>
+          </a:p>
+        </p:txBody>
+      </p:sp>
+      <p:sp>
+        <p:nvSpPr>
+          <p:cNvPr id="4" name="Date Placeholder 3"/>
           <p:cNvSpPr>
             <a:spLocks noGrp="1"/>
           </p:cNvSpPr>
@@ -2902,8 +2545,8 @@
         </p:nvSpPr>
         <p:spPr>
           <a:xfrm>
-            <a:off x="838200" y="6356350"/>
-            <a:ext cx="2743200" cy="365125"/>
+            <a:off x="1658283" y="12678860"/>
+            <a:ext cx="5427107" cy="728306"/>
           </a:xfrm>
           <a:prstGeom prst="rect">
             <a:avLst/>
@@ -2913,7 +2556,7 @@
           <a:bodyPr vert="horz" lIns="91440" tIns="45720" rIns="91440" bIns="45720" rtlCol="0" anchor="ctr"/>
           <a:lstStyle>
             <a:lvl1pPr algn="l">
-              <a:defRPr sz="1200">
+              <a:defRPr sz="2374">
                 <a:solidFill>
                   <a:schemeClr val="tx1">
                     <a:tint val="82000"/>
@@ -2933,13 +2576,7 @@
       </p:sp>
       <p:sp>
         <p:nvSpPr>
-          <p:cNvPr id="5" name="Footer Placeholder 4">
-            <a:extLst>
-              <a:ext uri="{FF2B5EF4-FFF2-40B4-BE49-F238E27FC236}">
-                <a16:creationId xmlns:a16="http://schemas.microsoft.com/office/drawing/2014/main" id="{004DFD28-10E3-5250-F8EB-1083674C4E04}"/>
-              </a:ext>
-            </a:extLst>
-          </p:cNvPr>
+          <p:cNvPr id="5" name="Footer Placeholder 4"/>
           <p:cNvSpPr>
             <a:spLocks noGrp="1"/>
           </p:cNvSpPr>
@@ -2949,8 +2586,8 @@
         </p:nvSpPr>
         <p:spPr>
           <a:xfrm>
-            <a:off x="4038600" y="6356350"/>
-            <a:ext cx="4114800" cy="365125"/>
+            <a:off x="7989908" y="12678860"/>
+            <a:ext cx="8140660" cy="728306"/>
           </a:xfrm>
           <a:prstGeom prst="rect">
             <a:avLst/>
@@ -2960,7 +2597,7 @@
           <a:bodyPr vert="horz" lIns="91440" tIns="45720" rIns="91440" bIns="45720" rtlCol="0" anchor="ctr"/>
           <a:lstStyle>
             <a:lvl1pPr algn="ctr">
-              <a:defRPr sz="1200">
+              <a:defRPr sz="2374">
                 <a:solidFill>
                   <a:schemeClr val="tx1">
                     <a:tint val="82000"/>
@@ -2976,13 +2613,7 @@
       </p:sp>
       <p:sp>
         <p:nvSpPr>
-          <p:cNvPr id="6" name="Slide Number Placeholder 5">
-            <a:extLst>
-              <a:ext uri="{FF2B5EF4-FFF2-40B4-BE49-F238E27FC236}">
-                <a16:creationId xmlns:a16="http://schemas.microsoft.com/office/drawing/2014/main" id="{854A09E4-F563-D51C-0691-C8B4F05C25C6}"/>
-              </a:ext>
-            </a:extLst>
-          </p:cNvPr>
+          <p:cNvPr id="6" name="Slide Number Placeholder 5"/>
           <p:cNvSpPr>
             <a:spLocks noGrp="1"/>
           </p:cNvSpPr>
@@ -2992,8 +2623,8 @@
         </p:nvSpPr>
         <p:spPr>
           <a:xfrm>
-            <a:off x="8610600" y="6356350"/>
-            <a:ext cx="2743200" cy="365125"/>
+            <a:off x="17035085" y="12678860"/>
+            <a:ext cx="5427107" cy="728306"/>
           </a:xfrm>
           <a:prstGeom prst="rect">
             <a:avLst/>
@@ -3003,7 +2634,7 @@
           <a:bodyPr vert="horz" lIns="91440" tIns="45720" rIns="91440" bIns="45720" rtlCol="0" anchor="ctr"/>
           <a:lstStyle>
             <a:lvl1pPr algn="r">
-              <a:defRPr sz="1200">
+              <a:defRPr sz="2374">
                 <a:solidFill>
                   <a:schemeClr val="tx1">
                     <a:tint val="82000"/>
@@ -3024,27 +2655,27 @@
     </p:spTree>
     <p:extLst>
       <p:ext uri="{BB962C8B-B14F-4D97-AF65-F5344CB8AC3E}">
-        <p14:creationId xmlns:p14="http://schemas.microsoft.com/office/powerpoint/2010/main" val="2256257717"/>
+        <p14:creationId xmlns:p14="http://schemas.microsoft.com/office/powerpoint/2010/main" val="2991355149"/>
       </p:ext>
     </p:extLst>
   </p:cSld>
   <p:clrMap bg1="lt1" tx1="dk1" bg2="lt2" tx2="dk2" accent1="accent1" accent2="accent2" accent3="accent3" accent4="accent4" accent5="accent5" accent6="accent6" hlink="hlink" folHlink="folHlink"/>
   <p:sldLayoutIdLst>
-    <p:sldLayoutId id="2147483649" r:id="rId1"/>
-    <p:sldLayoutId id="2147483650" r:id="rId2"/>
-    <p:sldLayoutId id="2147483651" r:id="rId3"/>
-    <p:sldLayoutId id="2147483652" r:id="rId4"/>
-    <p:sldLayoutId id="2147483653" r:id="rId5"/>
-    <p:sldLayoutId id="2147483654" r:id="rId6"/>
-    <p:sldLayoutId id="2147483655" r:id="rId7"/>
-    <p:sldLayoutId id="2147483656" r:id="rId8"/>
-    <p:sldLayoutId id="2147483657" r:id="rId9"/>
-    <p:sldLayoutId id="2147483658" r:id="rId10"/>
-    <p:sldLayoutId id="2147483659" r:id="rId11"/>
+    <p:sldLayoutId id="2147483661" r:id="rId1"/>
+    <p:sldLayoutId id="2147483662" r:id="rId2"/>
+    <p:sldLayoutId id="2147483663" r:id="rId3"/>
+    <p:sldLayoutId id="2147483664" r:id="rId4"/>
+    <p:sldLayoutId id="2147483665" r:id="rId5"/>
+    <p:sldLayoutId id="2147483666" r:id="rId6"/>
+    <p:sldLayoutId id="2147483667" r:id="rId7"/>
+    <p:sldLayoutId id="2147483668" r:id="rId8"/>
+    <p:sldLayoutId id="2147483669" r:id="rId9"/>
+    <p:sldLayoutId id="2147483670" r:id="rId10"/>
+    <p:sldLayoutId id="2147483671" r:id="rId11"/>
   </p:sldLayoutIdLst>
   <p:txStyles>
     <p:titleStyle>
-      <a:lvl1pPr algn="l" defTabSz="914400" rtl="0" eaLnBrk="1" latinLnBrk="0" hangingPunct="1">
+      <a:lvl1pPr algn="l" defTabSz="1809049" rtl="0" eaLnBrk="1" latinLnBrk="0" hangingPunct="1">
         <a:lnSpc>
           <a:spcPct val="90000"/>
         </a:lnSpc>
@@ -3052,7 +2683,7 @@
           <a:spcPct val="0"/>
         </a:spcBef>
         <a:buNone/>
-        <a:defRPr sz="4400" kern="1200">
+        <a:defRPr sz="8705" kern="1200">
           <a:solidFill>
             <a:schemeClr val="tx1"/>
           </a:solidFill>
@@ -3063,16 +2694,16 @@
       </a:lvl1pPr>
     </p:titleStyle>
     <p:bodyStyle>
-      <a:lvl1pPr marL="228600" indent="-228600" algn="l" defTabSz="914400" rtl="0" eaLnBrk="1" latinLnBrk="0" hangingPunct="1">
+      <a:lvl1pPr marL="452262" indent="-452262" algn="l" defTabSz="1809049" rtl="0" eaLnBrk="1" latinLnBrk="0" hangingPunct="1">
         <a:lnSpc>
           <a:spcPct val="90000"/>
         </a:lnSpc>
         <a:spcBef>
-          <a:spcPts val="1000"/>
+          <a:spcPts val="1978"/>
         </a:spcBef>
         <a:buFont typeface="Arial" panose="020B0604020202020204" pitchFamily="34" charset="0"/>
         <a:buChar char="•"/>
-        <a:defRPr sz="2800" kern="1200">
+        <a:defRPr sz="5540" kern="1200">
           <a:solidFill>
             <a:schemeClr val="tx1"/>
           </a:solidFill>
@@ -3081,16 +2712,16 @@
           <a:cs typeface="+mn-cs"/>
         </a:defRPr>
       </a:lvl1pPr>
-      <a:lvl2pPr marL="685800" indent="-228600" algn="l" defTabSz="914400" rtl="0" eaLnBrk="1" latinLnBrk="0" hangingPunct="1">
+      <a:lvl2pPr marL="1356787" indent="-452262" algn="l" defTabSz="1809049" rtl="0" eaLnBrk="1" latinLnBrk="0" hangingPunct="1">
         <a:lnSpc>
           <a:spcPct val="90000"/>
         </a:lnSpc>
         <a:spcBef>
-          <a:spcPts val="500"/>
+          <a:spcPts val="989"/>
         </a:spcBef>
         <a:buFont typeface="Arial" panose="020B0604020202020204" pitchFamily="34" charset="0"/>
         <a:buChar char="•"/>
-        <a:defRPr sz="2400" kern="1200">
+        <a:defRPr sz="4748" kern="1200">
           <a:solidFill>
             <a:schemeClr val="tx1"/>
           </a:solidFill>
@@ -3099,16 +2730,16 @@
           <a:cs typeface="+mn-cs"/>
         </a:defRPr>
       </a:lvl2pPr>
-      <a:lvl3pPr marL="1143000" indent="-228600" algn="l" defTabSz="914400" rtl="0" eaLnBrk="1" latinLnBrk="0" hangingPunct="1">
+      <a:lvl3pPr marL="2261311" indent="-452262" algn="l" defTabSz="1809049" rtl="0" eaLnBrk="1" latinLnBrk="0" hangingPunct="1">
         <a:lnSpc>
           <a:spcPct val="90000"/>
         </a:lnSpc>
         <a:spcBef>
-          <a:spcPts val="500"/>
+          <a:spcPts val="989"/>
         </a:spcBef>
         <a:buFont typeface="Arial" panose="020B0604020202020204" pitchFamily="34" charset="0"/>
         <a:buChar char="•"/>
-        <a:defRPr sz="2000" kern="1200">
+        <a:defRPr sz="3957" kern="1200">
           <a:solidFill>
             <a:schemeClr val="tx1"/>
           </a:solidFill>
@@ -3117,16 +2748,16 @@
           <a:cs typeface="+mn-cs"/>
         </a:defRPr>
       </a:lvl3pPr>
-      <a:lvl4pPr marL="1600200" indent="-228600" algn="l" defTabSz="914400" rtl="0" eaLnBrk="1" latinLnBrk="0" hangingPunct="1">
+      <a:lvl4pPr marL="3165836" indent="-452262" algn="l" defTabSz="1809049" rtl="0" eaLnBrk="1" latinLnBrk="0" hangingPunct="1">
         <a:lnSpc>
           <a:spcPct val="90000"/>
         </a:lnSpc>
         <a:spcBef>
-          <a:spcPts val="500"/>
+          <a:spcPts val="989"/>
         </a:spcBef>
         <a:buFont typeface="Arial" panose="020B0604020202020204" pitchFamily="34" charset="0"/>
         <a:buChar char="•"/>
-        <a:defRPr sz="1800" kern="1200">
+        <a:defRPr sz="3561" kern="1200">
           <a:solidFill>
             <a:schemeClr val="tx1"/>
           </a:solidFill>
@@ -3135,16 +2766,16 @@
           <a:cs typeface="+mn-cs"/>
         </a:defRPr>
       </a:lvl4pPr>
-      <a:lvl5pPr marL="2057400" indent="-228600" algn="l" defTabSz="914400" rtl="0" eaLnBrk="1" latinLnBrk="0" hangingPunct="1">
+      <a:lvl5pPr marL="4070360" indent="-452262" algn="l" defTabSz="1809049" rtl="0" eaLnBrk="1" latinLnBrk="0" hangingPunct="1">
         <a:lnSpc>
           <a:spcPct val="90000"/>
         </a:lnSpc>
         <a:spcBef>
-          <a:spcPts val="500"/>
+          <a:spcPts val="989"/>
         </a:spcBef>
         <a:buFont typeface="Arial" panose="020B0604020202020204" pitchFamily="34" charset="0"/>
         <a:buChar char="•"/>
-        <a:defRPr sz="1800" kern="1200">
+        <a:defRPr sz="3561" kern="1200">
           <a:solidFill>
             <a:schemeClr val="tx1"/>
           </a:solidFill>
@@ -3153,16 +2784,16 @@
           <a:cs typeface="+mn-cs"/>
         </a:defRPr>
       </a:lvl5pPr>
-      <a:lvl6pPr marL="2514600" indent="-228600" algn="l" defTabSz="914400" rtl="0" eaLnBrk="1" latinLnBrk="0" hangingPunct="1">
+      <a:lvl6pPr marL="4974885" indent="-452262" algn="l" defTabSz="1809049" rtl="0" eaLnBrk="1" latinLnBrk="0" hangingPunct="1">
         <a:lnSpc>
           <a:spcPct val="90000"/>
         </a:lnSpc>
         <a:spcBef>
-          <a:spcPts val="500"/>
+          <a:spcPts val="989"/>
         </a:spcBef>
         <a:buFont typeface="Arial" panose="020B0604020202020204" pitchFamily="34" charset="0"/>
         <a:buChar char="•"/>
-        <a:defRPr sz="1800" kern="1200">
+        <a:defRPr sz="3561" kern="1200">
           <a:solidFill>
             <a:schemeClr val="tx1"/>
           </a:solidFill>
@@ -3171,16 +2802,16 @@
           <a:cs typeface="+mn-cs"/>
         </a:defRPr>
       </a:lvl6pPr>
-      <a:lvl7pPr marL="2971800" indent="-228600" algn="l" defTabSz="914400" rtl="0" eaLnBrk="1" latinLnBrk="0" hangingPunct="1">
+      <a:lvl7pPr marL="5879409" indent="-452262" algn="l" defTabSz="1809049" rtl="0" eaLnBrk="1" latinLnBrk="0" hangingPunct="1">
         <a:lnSpc>
           <a:spcPct val="90000"/>
         </a:lnSpc>
         <a:spcBef>
-          <a:spcPts val="500"/>
+          <a:spcPts val="989"/>
         </a:spcBef>
         <a:buFont typeface="Arial" panose="020B0604020202020204" pitchFamily="34" charset="0"/>
         <a:buChar char="•"/>
-        <a:defRPr sz="1800" kern="1200">
+        <a:defRPr sz="3561" kern="1200">
           <a:solidFill>
             <a:schemeClr val="tx1"/>
           </a:solidFill>
@@ -3189,16 +2820,16 @@
           <a:cs typeface="+mn-cs"/>
         </a:defRPr>
       </a:lvl7pPr>
-      <a:lvl8pPr marL="3429000" indent="-228600" algn="l" defTabSz="914400" rtl="0" eaLnBrk="1" latinLnBrk="0" hangingPunct="1">
+      <a:lvl8pPr marL="6783934" indent="-452262" algn="l" defTabSz="1809049" rtl="0" eaLnBrk="1" latinLnBrk="0" hangingPunct="1">
         <a:lnSpc>
           <a:spcPct val="90000"/>
         </a:lnSpc>
         <a:spcBef>
-          <a:spcPts val="500"/>
+          <a:spcPts val="989"/>
         </a:spcBef>
         <a:buFont typeface="Arial" panose="020B0604020202020204" pitchFamily="34" charset="0"/>
         <a:buChar char="•"/>
-        <a:defRPr sz="1800" kern="1200">
+        <a:defRPr sz="3561" kern="1200">
           <a:solidFill>
             <a:schemeClr val="tx1"/>
           </a:solidFill>
@@ -3207,16 +2838,16 @@
           <a:cs typeface="+mn-cs"/>
         </a:defRPr>
       </a:lvl8pPr>
-      <a:lvl9pPr marL="3886200" indent="-228600" algn="l" defTabSz="914400" rtl="0" eaLnBrk="1" latinLnBrk="0" hangingPunct="1">
+      <a:lvl9pPr marL="7688458" indent="-452262" algn="l" defTabSz="1809049" rtl="0" eaLnBrk="1" latinLnBrk="0" hangingPunct="1">
         <a:lnSpc>
           <a:spcPct val="90000"/>
         </a:lnSpc>
         <a:spcBef>
-          <a:spcPts val="500"/>
+          <a:spcPts val="989"/>
         </a:spcBef>
         <a:buFont typeface="Arial" panose="020B0604020202020204" pitchFamily="34" charset="0"/>
         <a:buChar char="•"/>
-        <a:defRPr sz="1800" kern="1200">
+        <a:defRPr sz="3561" kern="1200">
           <a:solidFill>
             <a:schemeClr val="tx1"/>
           </a:solidFill>
@@ -3230,8 +2861,8 @@
       <a:defPPr>
         <a:defRPr lang="en-US"/>
       </a:defPPr>
-      <a:lvl1pPr marL="0" algn="l" defTabSz="914400" rtl="0" eaLnBrk="1" latinLnBrk="0" hangingPunct="1">
-        <a:defRPr sz="1800" kern="1200">
+      <a:lvl1pPr marL="0" algn="l" defTabSz="1809049" rtl="0" eaLnBrk="1" latinLnBrk="0" hangingPunct="1">
+        <a:defRPr sz="3561" kern="1200">
           <a:solidFill>
             <a:schemeClr val="tx1"/>
           </a:solidFill>
@@ -3240,8 +2871,8 @@
           <a:cs typeface="+mn-cs"/>
         </a:defRPr>
       </a:lvl1pPr>
-      <a:lvl2pPr marL="457200" algn="l" defTabSz="914400" rtl="0" eaLnBrk="1" latinLnBrk="0" hangingPunct="1">
-        <a:defRPr sz="1800" kern="1200">
+      <a:lvl2pPr marL="904524" algn="l" defTabSz="1809049" rtl="0" eaLnBrk="1" latinLnBrk="0" hangingPunct="1">
+        <a:defRPr sz="3561" kern="1200">
           <a:solidFill>
             <a:schemeClr val="tx1"/>
           </a:solidFill>
@@ -3250,8 +2881,8 @@
           <a:cs typeface="+mn-cs"/>
         </a:defRPr>
       </a:lvl2pPr>
-      <a:lvl3pPr marL="914400" algn="l" defTabSz="914400" rtl="0" eaLnBrk="1" latinLnBrk="0" hangingPunct="1">
-        <a:defRPr sz="1800" kern="1200">
+      <a:lvl3pPr marL="1809049" algn="l" defTabSz="1809049" rtl="0" eaLnBrk="1" latinLnBrk="0" hangingPunct="1">
+        <a:defRPr sz="3561" kern="1200">
           <a:solidFill>
             <a:schemeClr val="tx1"/>
           </a:solidFill>
@@ -3260,8 +2891,8 @@
           <a:cs typeface="+mn-cs"/>
         </a:defRPr>
       </a:lvl3pPr>
-      <a:lvl4pPr marL="1371600" algn="l" defTabSz="914400" rtl="0" eaLnBrk="1" latinLnBrk="0" hangingPunct="1">
-        <a:defRPr sz="1800" kern="1200">
+      <a:lvl4pPr marL="2713573" algn="l" defTabSz="1809049" rtl="0" eaLnBrk="1" latinLnBrk="0" hangingPunct="1">
+        <a:defRPr sz="3561" kern="1200">
           <a:solidFill>
             <a:schemeClr val="tx1"/>
           </a:solidFill>
@@ -3270,8 +2901,8 @@
           <a:cs typeface="+mn-cs"/>
         </a:defRPr>
       </a:lvl4pPr>
-      <a:lvl5pPr marL="1828800" algn="l" defTabSz="914400" rtl="0" eaLnBrk="1" latinLnBrk="0" hangingPunct="1">
-        <a:defRPr sz="1800" kern="1200">
+      <a:lvl5pPr marL="3618098" algn="l" defTabSz="1809049" rtl="0" eaLnBrk="1" latinLnBrk="0" hangingPunct="1">
+        <a:defRPr sz="3561" kern="1200">
           <a:solidFill>
             <a:schemeClr val="tx1"/>
           </a:solidFill>
@@ -3280,8 +2911,8 @@
           <a:cs typeface="+mn-cs"/>
         </a:defRPr>
       </a:lvl5pPr>
-      <a:lvl6pPr marL="2286000" algn="l" defTabSz="914400" rtl="0" eaLnBrk="1" latinLnBrk="0" hangingPunct="1">
-        <a:defRPr sz="1800" kern="1200">
+      <a:lvl6pPr marL="4522622" algn="l" defTabSz="1809049" rtl="0" eaLnBrk="1" latinLnBrk="0" hangingPunct="1">
+        <a:defRPr sz="3561" kern="1200">
           <a:solidFill>
             <a:schemeClr val="tx1"/>
           </a:solidFill>
@@ -3290,8 +2921,8 @@
           <a:cs typeface="+mn-cs"/>
         </a:defRPr>
       </a:lvl6pPr>
-      <a:lvl7pPr marL="2743200" algn="l" defTabSz="914400" rtl="0" eaLnBrk="1" latinLnBrk="0" hangingPunct="1">
-        <a:defRPr sz="1800" kern="1200">
+      <a:lvl7pPr marL="5427147" algn="l" defTabSz="1809049" rtl="0" eaLnBrk="1" latinLnBrk="0" hangingPunct="1">
+        <a:defRPr sz="3561" kern="1200">
           <a:solidFill>
             <a:schemeClr val="tx1"/>
           </a:solidFill>
@@ -3300,8 +2931,8 @@
           <a:cs typeface="+mn-cs"/>
         </a:defRPr>
       </a:lvl7pPr>
-      <a:lvl8pPr marL="3200400" algn="l" defTabSz="914400" rtl="0" eaLnBrk="1" latinLnBrk="0" hangingPunct="1">
-        <a:defRPr sz="1800" kern="1200">
+      <a:lvl8pPr marL="6331671" algn="l" defTabSz="1809049" rtl="0" eaLnBrk="1" latinLnBrk="0" hangingPunct="1">
+        <a:defRPr sz="3561" kern="1200">
           <a:solidFill>
             <a:schemeClr val="tx1"/>
           </a:solidFill>
@@ -3310,8 +2941,8 @@
           <a:cs typeface="+mn-cs"/>
         </a:defRPr>
       </a:lvl8pPr>
-      <a:lvl9pPr marL="3657600" algn="l" defTabSz="914400" rtl="0" eaLnBrk="1" latinLnBrk="0" hangingPunct="1">
-        <a:defRPr sz="1800" kern="1200">
+      <a:lvl9pPr marL="7236196" algn="l" defTabSz="1809049" rtl="0" eaLnBrk="1" latinLnBrk="0" hangingPunct="1">
+        <a:defRPr sz="3561" kern="1200">
           <a:solidFill>
             <a:schemeClr val="tx1"/>
           </a:solidFill>
@@ -3344,6 +2975,50 @@
       </p:grpSpPr>
       <p:sp>
         <p:nvSpPr>
+          <p:cNvPr id="9" name="Rectangle: Top Corners Snipped 8">
+            <a:extLst>
+              <a:ext uri="{FF2B5EF4-FFF2-40B4-BE49-F238E27FC236}">
+                <a16:creationId xmlns:a16="http://schemas.microsoft.com/office/drawing/2014/main" id="{7136E9D6-F237-4EE8-3FF7-6F2413426E48}"/>
+              </a:ext>
+            </a:extLst>
+          </p:cNvPr>
+          <p:cNvSpPr/>
+          <p:nvPr/>
+        </p:nvSpPr>
+        <p:spPr>
+          <a:xfrm>
+            <a:off x="5337344" y="4765989"/>
+            <a:ext cx="7841628" cy="4994868"/>
+          </a:xfrm>
+          <a:prstGeom prst="snip2SameRect">
+            <a:avLst/>
+          </a:prstGeom>
+        </p:spPr>
+        <p:style>
+          <a:lnRef idx="1">
+            <a:schemeClr val="accent2"/>
+          </a:lnRef>
+          <a:fillRef idx="2">
+            <a:schemeClr val="accent2"/>
+          </a:fillRef>
+          <a:effectRef idx="1">
+            <a:schemeClr val="accent2"/>
+          </a:effectRef>
+          <a:fontRef idx="minor">
+            <a:schemeClr val="dk1"/>
+          </a:fontRef>
+        </p:style>
+        <p:txBody>
+          <a:bodyPr rtlCol="0" anchor="ctr"/>
+          <a:lstStyle/>
+          <a:p>
+            <a:pPr algn="ctr"/>
+            <a:endParaRPr lang="en-AU" sz="1050" dirty="0"/>
+          </a:p>
+        </p:txBody>
+      </p:sp>
+      <p:sp>
+        <p:nvSpPr>
           <p:cNvPr id="4" name="Rectangle 3">
             <a:extLst>
               <a:ext uri="{FF2B5EF4-FFF2-40B4-BE49-F238E27FC236}">
@@ -3356,8 +3031,8 @@
         </p:nvSpPr>
         <p:spPr>
           <a:xfrm>
-            <a:off x="2125609" y="3059416"/>
-            <a:ext cx="2035426" cy="418386"/>
+            <a:off x="8669309" y="7364127"/>
+            <a:ext cx="1681702" cy="337010"/>
           </a:xfrm>
           <a:prstGeom prst="rect">
             <a:avLst/>
@@ -3385,10 +3060,10 @@
           <a:p>
             <a:pPr algn="ctr"/>
             <a:r>
-              <a:rPr lang="en-GB" sz="1200" dirty="0"/>
+              <a:rPr lang="en-GB" sz="1050" dirty="0"/>
               <a:t>Detect balls</a:t>
             </a:r>
-            <a:endParaRPr lang="en-AU" sz="1200" dirty="0"/>
+            <a:endParaRPr lang="en-AU" sz="1050" dirty="0"/>
           </a:p>
         </p:txBody>
       </p:sp>
@@ -3406,8 +3081,8 @@
         </p:nvSpPr>
         <p:spPr>
           <a:xfrm>
-            <a:off x="2125609" y="3603679"/>
-            <a:ext cx="2035426" cy="418386"/>
+            <a:off x="8669309" y="7906445"/>
+            <a:ext cx="1681702" cy="1276475"/>
           </a:xfrm>
           <a:prstGeom prst="roundRect">
             <a:avLst/>
@@ -3431,12 +3106,25 @@
           <a:bodyPr rtlCol="0" anchor="ctr"/>
           <a:lstStyle/>
           <a:p>
-            <a:pPr algn="ctr"/>
-            <a:r>
-              <a:rPr lang="en-GB" sz="1200" dirty="0"/>
+            <a:pPr marL="171450" indent="-171450">
+              <a:buFontTx/>
+              <a:buChar char="-"/>
+            </a:pPr>
+            <a:r>
+              <a:rPr lang="en-GB" sz="1050" dirty="0"/>
               <a:t>Colour segmentation</a:t>
             </a:r>
-            <a:endParaRPr lang="en-AU" sz="1200" dirty="0"/>
+          </a:p>
+          <a:p>
+            <a:pPr marL="171450" indent="-171450">
+              <a:buFontTx/>
+              <a:buChar char="-"/>
+            </a:pPr>
+            <a:r>
+              <a:rPr lang="en-GB" sz="1050" dirty="0"/>
+              <a:t>Minimum bounding circle</a:t>
+            </a:r>
+            <a:endParaRPr lang="en-AU" sz="1050" dirty="0"/>
           </a:p>
         </p:txBody>
       </p:sp>
@@ -3454,8 +3142,8 @@
         </p:nvSpPr>
         <p:spPr>
           <a:xfrm>
-            <a:off x="327061" y="1001795"/>
-            <a:ext cx="2542854" cy="621586"/>
+            <a:off x="6023144" y="6059188"/>
+            <a:ext cx="2100948" cy="500688"/>
           </a:xfrm>
           <a:prstGeom prst="roundRect">
             <a:avLst/>
@@ -3481,10 +3169,10 @@
           <a:p>
             <a:pPr algn="ctr"/>
             <a:r>
-              <a:rPr lang="en-GB" sz="1200" dirty="0"/>
-              <a:t>Camera Calibration values</a:t>
-            </a:r>
-            <a:endParaRPr lang="en-AU" sz="1200" dirty="0"/>
+              <a:rPr lang="en-GB" sz="1050" dirty="0"/>
+              <a:t>Video input</a:t>
+            </a:r>
+            <a:endParaRPr lang="en-AU" sz="1050" dirty="0"/>
           </a:p>
         </p:txBody>
       </p:sp>
@@ -3506,8 +3194,8 @@
         </p:nvCxnSpPr>
         <p:spPr>
           <a:xfrm>
-            <a:off x="2869915" y="1312588"/>
-            <a:ext cx="273407" cy="1746828"/>
+            <a:off x="8124092" y="6309533"/>
+            <a:ext cx="1386068" cy="1054595"/>
           </a:xfrm>
           <a:prstGeom prst="bentConnector2">
             <a:avLst/>
@@ -3545,8 +3233,8 @@
         </p:nvSpPr>
         <p:spPr>
           <a:xfrm>
-            <a:off x="4471542" y="3059416"/>
-            <a:ext cx="2098782" cy="418386"/>
+            <a:off x="11015242" y="7364127"/>
+            <a:ext cx="1734048" cy="337010"/>
           </a:xfrm>
           <a:prstGeom prst="rect">
             <a:avLst/>
@@ -3574,14 +3262,14 @@
           <a:p>
             <a:pPr algn="ctr"/>
             <a:r>
-              <a:rPr lang="en-AU" sz="1200" dirty="0"/>
+              <a:rPr lang="en-AU" sz="1050" dirty="0"/>
               <a:t>Order using </a:t>
             </a:r>
             <a:r>
-              <a:rPr lang="en-AU" sz="1200" dirty="0" err="1"/>
+              <a:rPr lang="en-AU" sz="1050" dirty="0" err="1"/>
               <a:t>pqueue</a:t>
             </a:r>
-            <a:endParaRPr lang="en-AU" sz="1200" dirty="0"/>
+            <a:endParaRPr lang="en-AU" sz="1050" dirty="0"/>
           </a:p>
         </p:txBody>
       </p:sp>
@@ -3603,8 +3291,8 @@
         </p:nvCxnSpPr>
         <p:spPr>
           <a:xfrm>
-            <a:off x="4161035" y="3268609"/>
-            <a:ext cx="310507" cy="0"/>
+            <a:off x="10351012" y="7532632"/>
+            <a:ext cx="664231" cy="0"/>
           </a:xfrm>
           <a:prstGeom prst="straightConnector1">
             <a:avLst/>
@@ -3642,8 +3330,8 @@
         </p:nvSpPr>
         <p:spPr>
           <a:xfrm>
-            <a:off x="4471542" y="3603749"/>
-            <a:ext cx="2098782" cy="1584697"/>
+            <a:off x="11015242" y="7908461"/>
+            <a:ext cx="1734048" cy="1682303"/>
           </a:xfrm>
           <a:prstGeom prst="roundRect">
             <a:avLst/>
@@ -3668,44 +3356,40 @@
           <a:lstStyle/>
           <a:p>
             <a:r>
-              <a:rPr lang="en-GB" sz="1200" dirty="0" err="1"/>
-              <a:t>Pqueue</a:t>
-            </a:r>
-            <a:r>
-              <a:rPr lang="en-GB" sz="1200" dirty="0"/>
-              <a:t> of detected balls</a:t>
-            </a:r>
-          </a:p>
-          <a:p>
-            <a:endParaRPr lang="en-GB" sz="1200" dirty="0"/>
-          </a:p>
-          <a:p>
-            <a:r>
-              <a:rPr lang="en-GB" sz="1200" dirty="0"/>
+              <a:rPr lang="en-GB" sz="1050" dirty="0"/>
+              <a:t>Pqueue of detected balls</a:t>
+            </a:r>
+          </a:p>
+          <a:p>
+            <a:endParaRPr lang="en-GB" sz="1050" dirty="0"/>
+          </a:p>
+          <a:p>
+            <a:r>
+              <a:rPr lang="en-GB" sz="1050" dirty="0"/>
               <a:t>Constraint:</a:t>
             </a:r>
           </a:p>
           <a:p>
             <a:r>
-              <a:rPr lang="en-GB" sz="1200" dirty="0"/>
+              <a:rPr lang="en-GB" sz="1050" dirty="0"/>
               <a:t>Within the white line court</a:t>
             </a:r>
           </a:p>
           <a:p>
-            <a:endParaRPr lang="en-GB" sz="1200" dirty="0"/>
-          </a:p>
-          <a:p>
-            <a:r>
-              <a:rPr lang="en-GB" sz="1200" dirty="0"/>
+            <a:endParaRPr lang="en-GB" sz="1050" dirty="0"/>
+          </a:p>
+          <a:p>
+            <a:r>
+              <a:rPr lang="en-GB" sz="1050" dirty="0"/>
               <a:t>Order using</a:t>
             </a:r>
           </a:p>
           <a:p>
             <a:r>
-              <a:rPr lang="en-GB" sz="1200" dirty="0"/>
+              <a:rPr lang="en-GB" sz="1050" dirty="0"/>
               <a:t>- Distance (DESC)</a:t>
             </a:r>
-            <a:endParaRPr lang="en-AU" sz="1200" dirty="0"/>
+            <a:endParaRPr lang="en-AU" sz="1050" dirty="0"/>
           </a:p>
         </p:txBody>
       </p:sp>
@@ -3723,8 +3407,8 @@
         </p:nvSpPr>
         <p:spPr>
           <a:xfrm>
-            <a:off x="327061" y="1686319"/>
-            <a:ext cx="2542854" cy="621586"/>
+            <a:off x="6023144" y="6743712"/>
+            <a:ext cx="2100948" cy="500688"/>
           </a:xfrm>
           <a:prstGeom prst="roundRect">
             <a:avLst/>
@@ -3750,17 +3434,17 @@
           <a:p>
             <a:pPr algn="ctr"/>
             <a:r>
-              <a:rPr lang="en-GB" sz="1200" dirty="0"/>
+              <a:rPr lang="en-GB" sz="1050" dirty="0"/>
               <a:t>Camera Calibration values</a:t>
             </a:r>
           </a:p>
           <a:p>
             <a:pPr algn="ctr"/>
             <a:r>
-              <a:rPr lang="en-GB" sz="1200" dirty="0"/>
+              <a:rPr lang="en-GB" sz="1050" dirty="0"/>
               <a:t>(focal length, intrinsic matrix)</a:t>
             </a:r>
-            <a:endParaRPr lang="en-AU" sz="1200" dirty="0"/>
+            <a:endParaRPr lang="en-AU" sz="1050" dirty="0"/>
           </a:p>
         </p:txBody>
       </p:sp>
@@ -3782,8 +3466,8 @@
         </p:nvCxnSpPr>
         <p:spPr>
           <a:xfrm>
-            <a:off x="2869915" y="1997112"/>
-            <a:ext cx="273407" cy="1062304"/>
+            <a:off x="8124092" y="6994057"/>
+            <a:ext cx="1386068" cy="370071"/>
           </a:xfrm>
           <a:prstGeom prst="bentConnector2">
             <a:avLst/>
@@ -3821,8 +3505,8 @@
         </p:nvSpPr>
         <p:spPr>
           <a:xfrm>
-            <a:off x="327061" y="313222"/>
-            <a:ext cx="2542854" cy="621586"/>
+            <a:off x="6023144" y="5374664"/>
+            <a:ext cx="2100948" cy="500688"/>
           </a:xfrm>
           <a:prstGeom prst="roundRect">
             <a:avLst/>
@@ -3848,14 +3532,14 @@
           <a:p>
             <a:pPr algn="ctr"/>
             <a:r>
-              <a:rPr lang="en-AU" sz="1200" dirty="0"/>
+              <a:rPr lang="en-AU" sz="1050" dirty="0"/>
               <a:t>Colour calibration values </a:t>
             </a:r>
           </a:p>
           <a:p>
             <a:pPr algn="ctr"/>
             <a:r>
-              <a:rPr lang="en-AU" sz="1200" dirty="0"/>
+              <a:rPr lang="en-AU" sz="1050" dirty="0"/>
               <a:t>(HSV range)</a:t>
             </a:r>
           </a:p>
@@ -3879,8 +3563,8 @@
         </p:nvCxnSpPr>
         <p:spPr>
           <a:xfrm>
-            <a:off x="2869915" y="624015"/>
-            <a:ext cx="273407" cy="2435401"/>
+            <a:off x="8124092" y="5625009"/>
+            <a:ext cx="1386068" cy="1739119"/>
           </a:xfrm>
           <a:prstGeom prst="bentConnector2">
             <a:avLst/>
@@ -3918,8 +3602,438 @@
         </p:nvSpPr>
         <p:spPr>
           <a:xfrm>
-            <a:off x="6880831" y="3059416"/>
-            <a:ext cx="2098782" cy="418386"/>
+            <a:off x="13801990" y="6515106"/>
+            <a:ext cx="1734048" cy="1496633"/>
+          </a:xfrm>
+          <a:prstGeom prst="rect">
+            <a:avLst/>
+          </a:prstGeom>
+        </p:spPr>
+        <p:style>
+          <a:lnRef idx="2">
+            <a:schemeClr val="accent1"/>
+          </a:lnRef>
+          <a:fillRef idx="1">
+            <a:schemeClr val="lt1"/>
+          </a:fillRef>
+          <a:effectRef idx="0">
+            <a:schemeClr val="accent1"/>
+          </a:effectRef>
+          <a:fontRef idx="minor">
+            <a:schemeClr val="dk1"/>
+          </a:fontRef>
+        </p:style>
+        <p:txBody>
+          <a:bodyPr rtlCol="0" anchor="ctr"/>
+          <a:lstStyle/>
+          <a:p>
+            <a:pPr algn="ctr"/>
+            <a:r>
+              <a:rPr lang="en-AU" sz="1050" dirty="0"/>
+              <a:t>Output:</a:t>
+            </a:r>
+          </a:p>
+          <a:p>
+            <a:pPr algn="ctr"/>
+            <a:r>
+              <a:rPr lang="en-AU" sz="1050" dirty="0"/>
+              <a:t>List[List]</a:t>
+            </a:r>
+          </a:p>
+          <a:p>
+            <a:pPr algn="ctr"/>
+            <a:r>
+              <a:rPr lang="en-AU" sz="1050" dirty="0"/>
+              <a:t>List of points with coordinates of ball and distance to them. Output arranged in  descending order of size (size ∝ distance)</a:t>
+            </a:r>
+          </a:p>
+        </p:txBody>
+      </p:sp>
+      <p:sp>
+        <p:nvSpPr>
+          <p:cNvPr id="8" name="Rectangle: Top Corners Snipped 7">
+            <a:extLst>
+              <a:ext uri="{FF2B5EF4-FFF2-40B4-BE49-F238E27FC236}">
+                <a16:creationId xmlns:a16="http://schemas.microsoft.com/office/drawing/2014/main" id="{6D06B46E-4015-A42B-8BDA-DC80D595B4D1}"/>
+              </a:ext>
+            </a:extLst>
+          </p:cNvPr>
+          <p:cNvSpPr/>
+          <p:nvPr/>
+        </p:nvSpPr>
+        <p:spPr>
+          <a:xfrm>
+            <a:off x="2878405" y="5396278"/>
+            <a:ext cx="1541124" cy="457200"/>
+          </a:xfrm>
+          <a:prstGeom prst="snip2SameRect">
+            <a:avLst/>
+          </a:prstGeom>
+        </p:spPr>
+        <p:style>
+          <a:lnRef idx="1">
+            <a:schemeClr val="accent2"/>
+          </a:lnRef>
+          <a:fillRef idx="2">
+            <a:schemeClr val="accent2"/>
+          </a:fillRef>
+          <a:effectRef idx="1">
+            <a:schemeClr val="accent2"/>
+          </a:effectRef>
+          <a:fontRef idx="minor">
+            <a:schemeClr val="dk1"/>
+          </a:fontRef>
+        </p:style>
+        <p:txBody>
+          <a:bodyPr rtlCol="0" anchor="ctr"/>
+          <a:lstStyle/>
+          <a:p>
+            <a:pPr algn="ctr"/>
+            <a:r>
+              <a:rPr lang="en-AU" sz="1050" dirty="0"/>
+              <a:t>Colour calibration.py</a:t>
+            </a:r>
+          </a:p>
+        </p:txBody>
+      </p:sp>
+      <p:sp>
+        <p:nvSpPr>
+          <p:cNvPr id="10" name="TextBox 9">
+            <a:extLst>
+              <a:ext uri="{FF2B5EF4-FFF2-40B4-BE49-F238E27FC236}">
+                <a16:creationId xmlns:a16="http://schemas.microsoft.com/office/drawing/2014/main" id="{D9487295-567F-218A-14B4-8DD5ED3AEE7B}"/>
+              </a:ext>
+            </a:extLst>
+          </p:cNvPr>
+          <p:cNvSpPr txBox="1"/>
+          <p:nvPr/>
+        </p:nvSpPr>
+        <p:spPr>
+          <a:xfrm>
+            <a:off x="6116410" y="4815240"/>
+            <a:ext cx="2044558" cy="258532"/>
+          </a:xfrm>
+          <a:prstGeom prst="rect">
+            <a:avLst/>
+          </a:prstGeom>
+          <a:noFill/>
+        </p:spPr>
+        <p:txBody>
+          <a:bodyPr wrap="square" rtlCol="0">
+            <a:spAutoFit/>
+          </a:bodyPr>
+          <a:lstStyle/>
+          <a:p>
+            <a:r>
+              <a:rPr lang="en-AU" sz="1050" dirty="0"/>
+              <a:t>detect_ball.py</a:t>
+            </a:r>
+          </a:p>
+        </p:txBody>
+      </p:sp>
+      <p:sp>
+        <p:nvSpPr>
+          <p:cNvPr id="25" name="Rectangle: Top Corners Snipped 24">
+            <a:extLst>
+              <a:ext uri="{FF2B5EF4-FFF2-40B4-BE49-F238E27FC236}">
+                <a16:creationId xmlns:a16="http://schemas.microsoft.com/office/drawing/2014/main" id="{A014B032-58F1-09D5-BA47-1A03BB406769}"/>
+              </a:ext>
+            </a:extLst>
+          </p:cNvPr>
+          <p:cNvSpPr/>
+          <p:nvPr/>
+        </p:nvSpPr>
+        <p:spPr>
+          <a:xfrm>
+            <a:off x="2878405" y="6765456"/>
+            <a:ext cx="1541124" cy="457200"/>
+          </a:xfrm>
+          <a:prstGeom prst="snip2SameRect">
+            <a:avLst/>
+          </a:prstGeom>
+        </p:spPr>
+        <p:style>
+          <a:lnRef idx="1">
+            <a:schemeClr val="accent2"/>
+          </a:lnRef>
+          <a:fillRef idx="2">
+            <a:schemeClr val="accent2"/>
+          </a:fillRef>
+          <a:effectRef idx="1">
+            <a:schemeClr val="accent2"/>
+          </a:effectRef>
+          <a:fontRef idx="minor">
+            <a:schemeClr val="dk1"/>
+          </a:fontRef>
+        </p:style>
+        <p:txBody>
+          <a:bodyPr rtlCol="0" anchor="ctr"/>
+          <a:lstStyle/>
+          <a:p>
+            <a:pPr algn="ctr"/>
+            <a:r>
+              <a:rPr lang="en-AU" sz="1050" dirty="0">
+                <a:solidFill>
+                  <a:srgbClr val="FF0000"/>
+                </a:solidFill>
+              </a:rPr>
+              <a:t>#TODO</a:t>
+            </a:r>
+            <a:r>
+              <a:rPr lang="en-AU" sz="1050" dirty="0"/>
+              <a:t>: camera calibration.py</a:t>
+            </a:r>
+          </a:p>
+        </p:txBody>
+      </p:sp>
+      <p:sp>
+        <p:nvSpPr>
+          <p:cNvPr id="33" name="Rectangle: Top Corners Snipped 32">
+            <a:extLst>
+              <a:ext uri="{FF2B5EF4-FFF2-40B4-BE49-F238E27FC236}">
+                <a16:creationId xmlns:a16="http://schemas.microsoft.com/office/drawing/2014/main" id="{70A24777-B862-F6C0-56D8-76ADA774E31B}"/>
+              </a:ext>
+            </a:extLst>
+          </p:cNvPr>
+          <p:cNvSpPr/>
+          <p:nvPr/>
+        </p:nvSpPr>
+        <p:spPr>
+          <a:xfrm>
+            <a:off x="17648100" y="952254"/>
+            <a:ext cx="1001656" cy="253916"/>
+          </a:xfrm>
+          <a:prstGeom prst="snip2SameRect">
+            <a:avLst/>
+          </a:prstGeom>
+        </p:spPr>
+        <p:style>
+          <a:lnRef idx="1">
+            <a:schemeClr val="accent2"/>
+          </a:lnRef>
+          <a:fillRef idx="2">
+            <a:schemeClr val="accent2"/>
+          </a:fillRef>
+          <a:effectRef idx="1">
+            <a:schemeClr val="accent2"/>
+          </a:effectRef>
+          <a:fontRef idx="minor">
+            <a:schemeClr val="dk1"/>
+          </a:fontRef>
+        </p:style>
+        <p:txBody>
+          <a:bodyPr rtlCol="0" anchor="ctr"/>
+          <a:lstStyle/>
+          <a:p>
+            <a:pPr algn="ctr"/>
+            <a:endParaRPr lang="en-AU" sz="1050" dirty="0"/>
+          </a:p>
+        </p:txBody>
+      </p:sp>
+      <p:sp>
+        <p:nvSpPr>
+          <p:cNvPr id="35" name="TextBox 34">
+            <a:extLst>
+              <a:ext uri="{FF2B5EF4-FFF2-40B4-BE49-F238E27FC236}">
+                <a16:creationId xmlns:a16="http://schemas.microsoft.com/office/drawing/2014/main" id="{02CD3BE0-DF49-CD0A-9FDA-5EE5D5633B0F}"/>
+              </a:ext>
+            </a:extLst>
+          </p:cNvPr>
+          <p:cNvSpPr txBox="1"/>
+          <p:nvPr/>
+        </p:nvSpPr>
+        <p:spPr>
+          <a:xfrm>
+            <a:off x="18724575" y="952254"/>
+            <a:ext cx="792205" cy="253916"/>
+          </a:xfrm>
+          <a:prstGeom prst="rect">
+            <a:avLst/>
+          </a:prstGeom>
+          <a:noFill/>
+        </p:spPr>
+        <p:txBody>
+          <a:bodyPr wrap="none" rtlCol="0">
+            <a:spAutoFit/>
+          </a:bodyPr>
+          <a:lstStyle/>
+          <a:p>
+            <a:r>
+              <a:rPr lang="en-AU" sz="1050" dirty="0"/>
+              <a:t>Python file</a:t>
+            </a:r>
+          </a:p>
+        </p:txBody>
+      </p:sp>
+      <p:cxnSp>
+        <p:nvCxnSpPr>
+          <p:cNvPr id="40" name="Straight Arrow Connector 39">
+            <a:extLst>
+              <a:ext uri="{FF2B5EF4-FFF2-40B4-BE49-F238E27FC236}">
+                <a16:creationId xmlns:a16="http://schemas.microsoft.com/office/drawing/2014/main" id="{7A1A92FF-E2C5-E3EE-B8B0-F045AA1F5153}"/>
+              </a:ext>
+            </a:extLst>
+          </p:cNvPr>
+          <p:cNvCxnSpPr/>
+          <p:nvPr/>
+        </p:nvCxnSpPr>
+        <p:spPr>
+          <a:xfrm>
+            <a:off x="17648100" y="1511154"/>
+            <a:ext cx="1001656" cy="0"/>
+          </a:xfrm>
+          <a:prstGeom prst="straightConnector1">
+            <a:avLst/>
+          </a:prstGeom>
+          <a:ln>
+            <a:tailEnd type="triangle"/>
+          </a:ln>
+        </p:spPr>
+        <p:style>
+          <a:lnRef idx="1">
+            <a:schemeClr val="accent6"/>
+          </a:lnRef>
+          <a:fillRef idx="0">
+            <a:schemeClr val="accent6"/>
+          </a:fillRef>
+          <a:effectRef idx="0">
+            <a:schemeClr val="accent6"/>
+          </a:effectRef>
+          <a:fontRef idx="minor">
+            <a:schemeClr val="tx1"/>
+          </a:fontRef>
+        </p:style>
+      </p:cxnSp>
+      <p:sp>
+        <p:nvSpPr>
+          <p:cNvPr id="41" name="TextBox 40">
+            <a:extLst>
+              <a:ext uri="{FF2B5EF4-FFF2-40B4-BE49-F238E27FC236}">
+                <a16:creationId xmlns:a16="http://schemas.microsoft.com/office/drawing/2014/main" id="{8A458851-D13D-C003-BC4C-13CA1EAAD1ED}"/>
+              </a:ext>
+            </a:extLst>
+          </p:cNvPr>
+          <p:cNvSpPr txBox="1"/>
+          <p:nvPr/>
+        </p:nvSpPr>
+        <p:spPr>
+          <a:xfrm>
+            <a:off x="18724575" y="1384196"/>
+            <a:ext cx="1056700" cy="253916"/>
+          </a:xfrm>
+          <a:prstGeom prst="rect">
+            <a:avLst/>
+          </a:prstGeom>
+          <a:noFill/>
+        </p:spPr>
+        <p:txBody>
+          <a:bodyPr wrap="none" rtlCol="0">
+            <a:spAutoFit/>
+          </a:bodyPr>
+          <a:lstStyle/>
+          <a:p>
+            <a:r>
+              <a:rPr lang="en-AU" sz="1050" dirty="0"/>
+              <a:t>Trans-file input</a:t>
+            </a:r>
+          </a:p>
+        </p:txBody>
+      </p:sp>
+      <p:sp>
+        <p:nvSpPr>
+          <p:cNvPr id="42" name="Rectangle: Rounded Corners 41">
+            <a:extLst>
+              <a:ext uri="{FF2B5EF4-FFF2-40B4-BE49-F238E27FC236}">
+                <a16:creationId xmlns:a16="http://schemas.microsoft.com/office/drawing/2014/main" id="{C55B3D58-7E1E-8F56-9A3A-4472FC8792ED}"/>
+              </a:ext>
+            </a:extLst>
+          </p:cNvPr>
+          <p:cNvSpPr/>
+          <p:nvPr/>
+        </p:nvSpPr>
+        <p:spPr>
+          <a:xfrm>
+            <a:off x="17648100" y="1816138"/>
+            <a:ext cx="1001656" cy="248293"/>
+          </a:xfrm>
+          <a:prstGeom prst="roundRect">
+            <a:avLst/>
+          </a:prstGeom>
+        </p:spPr>
+        <p:style>
+          <a:lnRef idx="1">
+            <a:schemeClr val="accent1"/>
+          </a:lnRef>
+          <a:fillRef idx="2">
+            <a:schemeClr val="accent1"/>
+          </a:fillRef>
+          <a:effectRef idx="1">
+            <a:schemeClr val="accent1"/>
+          </a:effectRef>
+          <a:fontRef idx="minor">
+            <a:schemeClr val="dk1"/>
+          </a:fontRef>
+        </p:style>
+        <p:txBody>
+          <a:bodyPr rtlCol="0" anchor="ctr"/>
+          <a:lstStyle/>
+          <a:p>
+            <a:pPr algn="ctr"/>
+            <a:endParaRPr lang="en-AU" sz="1050" dirty="0"/>
+          </a:p>
+        </p:txBody>
+      </p:sp>
+      <p:sp>
+        <p:nvSpPr>
+          <p:cNvPr id="43" name="TextBox 42">
+            <a:extLst>
+              <a:ext uri="{FF2B5EF4-FFF2-40B4-BE49-F238E27FC236}">
+                <a16:creationId xmlns:a16="http://schemas.microsoft.com/office/drawing/2014/main" id="{A0A1D295-1D52-A6B2-ABB7-D7ACCF24AA44}"/>
+              </a:ext>
+            </a:extLst>
+          </p:cNvPr>
+          <p:cNvSpPr txBox="1"/>
+          <p:nvPr/>
+        </p:nvSpPr>
+        <p:spPr>
+          <a:xfrm>
+            <a:off x="18724575" y="1816138"/>
+            <a:ext cx="487634" cy="253916"/>
+          </a:xfrm>
+          <a:prstGeom prst="rect">
+            <a:avLst/>
+          </a:prstGeom>
+          <a:noFill/>
+        </p:spPr>
+        <p:txBody>
+          <a:bodyPr wrap="none" rtlCol="0">
+            <a:spAutoFit/>
+          </a:bodyPr>
+          <a:lstStyle/>
+          <a:p>
+            <a:r>
+              <a:rPr lang="en-AU" sz="1050" dirty="0"/>
+              <a:t>Input</a:t>
+            </a:r>
+          </a:p>
+        </p:txBody>
+      </p:sp>
+      <p:sp>
+        <p:nvSpPr>
+          <p:cNvPr id="44" name="Rectangle 43">
+            <a:extLst>
+              <a:ext uri="{FF2B5EF4-FFF2-40B4-BE49-F238E27FC236}">
+                <a16:creationId xmlns:a16="http://schemas.microsoft.com/office/drawing/2014/main" id="{4408672F-FBE4-B8F0-F45C-AB3AADD63827}"/>
+              </a:ext>
+            </a:extLst>
+          </p:cNvPr>
+          <p:cNvSpPr/>
+          <p:nvPr/>
+        </p:nvSpPr>
+        <p:spPr>
+          <a:xfrm>
+            <a:off x="17648100" y="2369415"/>
+            <a:ext cx="1001656" cy="252214"/>
           </a:xfrm>
           <a:prstGeom prst="rect">
             <a:avLst/>
@@ -3946,18 +4060,462 @@
           <a:lstStyle/>
           <a:p>
             <a:pPr algn="ctr"/>
-            <a:r>
-              <a:rPr lang="en-AU" sz="1200" dirty="0"/>
-              <a:t>Order using </a:t>
-            </a:r>
-            <a:r>
-              <a:rPr lang="en-AU" sz="1200" dirty="0" err="1"/>
-              <a:t>pqueue</a:t>
-            </a:r>
-            <a:endParaRPr lang="en-AU" sz="1200" dirty="0"/>
-          </a:p>
-        </p:txBody>
-      </p:sp>
+            <a:endParaRPr lang="en-AU" sz="1050" dirty="0"/>
+          </a:p>
+        </p:txBody>
+      </p:sp>
+      <p:sp>
+        <p:nvSpPr>
+          <p:cNvPr id="45" name="TextBox 44">
+            <a:extLst>
+              <a:ext uri="{FF2B5EF4-FFF2-40B4-BE49-F238E27FC236}">
+                <a16:creationId xmlns:a16="http://schemas.microsoft.com/office/drawing/2014/main" id="{C4038993-0F63-33FF-A638-AACD0C1950D9}"/>
+              </a:ext>
+            </a:extLst>
+          </p:cNvPr>
+          <p:cNvSpPr txBox="1"/>
+          <p:nvPr/>
+        </p:nvSpPr>
+        <p:spPr>
+          <a:xfrm>
+            <a:off x="18724575" y="2367713"/>
+            <a:ext cx="652743" cy="253916"/>
+          </a:xfrm>
+          <a:prstGeom prst="rect">
+            <a:avLst/>
+          </a:prstGeom>
+          <a:noFill/>
+        </p:spPr>
+        <p:txBody>
+          <a:bodyPr wrap="none" rtlCol="0">
+            <a:spAutoFit/>
+          </a:bodyPr>
+          <a:lstStyle/>
+          <a:p>
+            <a:r>
+              <a:rPr lang="en-AU" sz="1050" dirty="0"/>
+              <a:t>Process</a:t>
+            </a:r>
+          </a:p>
+        </p:txBody>
+      </p:sp>
+      <p:cxnSp>
+        <p:nvCxnSpPr>
+          <p:cNvPr id="46" name="Straight Arrow Connector 45">
+            <a:extLst>
+              <a:ext uri="{FF2B5EF4-FFF2-40B4-BE49-F238E27FC236}">
+                <a16:creationId xmlns:a16="http://schemas.microsoft.com/office/drawing/2014/main" id="{1CD947AB-EF24-6D82-6413-9EF8B8E448C2}"/>
+              </a:ext>
+            </a:extLst>
+          </p:cNvPr>
+          <p:cNvCxnSpPr/>
+          <p:nvPr/>
+        </p:nvCxnSpPr>
+        <p:spPr>
+          <a:xfrm>
+            <a:off x="17648100" y="2965304"/>
+            <a:ext cx="1001656" cy="0"/>
+          </a:xfrm>
+          <a:prstGeom prst="straightConnector1">
+            <a:avLst/>
+          </a:prstGeom>
+          <a:ln>
+            <a:tailEnd type="triangle"/>
+          </a:ln>
+        </p:spPr>
+        <p:style>
+          <a:lnRef idx="2">
+            <a:schemeClr val="accent1"/>
+          </a:lnRef>
+          <a:fillRef idx="0">
+            <a:schemeClr val="accent1"/>
+          </a:fillRef>
+          <a:effectRef idx="1">
+            <a:schemeClr val="accent1"/>
+          </a:effectRef>
+          <a:fontRef idx="minor">
+            <a:schemeClr val="tx1"/>
+          </a:fontRef>
+        </p:style>
+      </p:cxnSp>
+      <p:sp>
+        <p:nvSpPr>
+          <p:cNvPr id="48" name="TextBox 47">
+            <a:extLst>
+              <a:ext uri="{FF2B5EF4-FFF2-40B4-BE49-F238E27FC236}">
+                <a16:creationId xmlns:a16="http://schemas.microsoft.com/office/drawing/2014/main" id="{79EF5533-F07E-DC44-CCDD-37AAA553AE06}"/>
+              </a:ext>
+            </a:extLst>
+          </p:cNvPr>
+          <p:cNvSpPr txBox="1"/>
+          <p:nvPr/>
+        </p:nvSpPr>
+        <p:spPr>
+          <a:xfrm>
+            <a:off x="18724575" y="2838346"/>
+            <a:ext cx="886781" cy="253916"/>
+          </a:xfrm>
+          <a:prstGeom prst="rect">
+            <a:avLst/>
+          </a:prstGeom>
+          <a:noFill/>
+        </p:spPr>
+        <p:txBody>
+          <a:bodyPr wrap="none" rtlCol="0">
+            <a:spAutoFit/>
+          </a:bodyPr>
+          <a:lstStyle/>
+          <a:p>
+            <a:r>
+              <a:rPr lang="en-AU" sz="1050" dirty="0"/>
+              <a:t>Process link</a:t>
+            </a:r>
+          </a:p>
+        </p:txBody>
+      </p:sp>
+      <p:sp>
+        <p:nvSpPr>
+          <p:cNvPr id="49" name="Rectangle: Rounded Corners 48">
+            <a:extLst>
+              <a:ext uri="{FF2B5EF4-FFF2-40B4-BE49-F238E27FC236}">
+                <a16:creationId xmlns:a16="http://schemas.microsoft.com/office/drawing/2014/main" id="{986BACCD-216E-82CF-BAE8-7578A582E07E}"/>
+              </a:ext>
+            </a:extLst>
+          </p:cNvPr>
+          <p:cNvSpPr/>
+          <p:nvPr/>
+        </p:nvSpPr>
+        <p:spPr>
+          <a:xfrm>
+            <a:off x="17265650" y="622299"/>
+            <a:ext cx="2808288" cy="3794919"/>
+          </a:xfrm>
+          <a:prstGeom prst="roundRect">
+            <a:avLst/>
+          </a:prstGeom>
+          <a:noFill/>
+        </p:spPr>
+        <p:style>
+          <a:lnRef idx="2">
+            <a:schemeClr val="accent1"/>
+          </a:lnRef>
+          <a:fillRef idx="1">
+            <a:schemeClr val="lt1"/>
+          </a:fillRef>
+          <a:effectRef idx="0">
+            <a:schemeClr val="accent1"/>
+          </a:effectRef>
+          <a:fontRef idx="minor">
+            <a:schemeClr val="dk1"/>
+          </a:fontRef>
+        </p:style>
+        <p:txBody>
+          <a:bodyPr rtlCol="0" anchor="ctr"/>
+          <a:lstStyle/>
+          <a:p>
+            <a:pPr algn="ctr"/>
+            <a:endParaRPr lang="en-AU"/>
+          </a:p>
+        </p:txBody>
+      </p:sp>
+      <p:cxnSp>
+        <p:nvCxnSpPr>
+          <p:cNvPr id="52" name="Straight Arrow Connector 51">
+            <a:extLst>
+              <a:ext uri="{FF2B5EF4-FFF2-40B4-BE49-F238E27FC236}">
+                <a16:creationId xmlns:a16="http://schemas.microsoft.com/office/drawing/2014/main" id="{86BBEDD1-889C-5328-C31F-E8B57E51E35F}"/>
+              </a:ext>
+            </a:extLst>
+          </p:cNvPr>
+          <p:cNvCxnSpPr>
+            <a:cxnSpLocks/>
+            <a:stCxn id="9" idx="0"/>
+            <a:endCxn id="38" idx="1"/>
+          </p:cNvCxnSpPr>
+          <p:nvPr/>
+        </p:nvCxnSpPr>
+        <p:spPr>
+          <a:xfrm>
+            <a:off x="13178972" y="7263423"/>
+            <a:ext cx="623018" cy="0"/>
+          </a:xfrm>
+          <a:prstGeom prst="straightConnector1">
+            <a:avLst/>
+          </a:prstGeom>
+          <a:ln>
+            <a:tailEnd type="triangle"/>
+          </a:ln>
+        </p:spPr>
+        <p:style>
+          <a:lnRef idx="2">
+            <a:schemeClr val="accent1"/>
+          </a:lnRef>
+          <a:fillRef idx="0">
+            <a:schemeClr val="accent1"/>
+          </a:fillRef>
+          <a:effectRef idx="1">
+            <a:schemeClr val="accent1"/>
+          </a:effectRef>
+          <a:fontRef idx="minor">
+            <a:schemeClr val="tx1"/>
+          </a:fontRef>
+        </p:style>
+      </p:cxnSp>
+      <p:cxnSp>
+        <p:nvCxnSpPr>
+          <p:cNvPr id="53" name="Straight Arrow Connector 52">
+            <a:extLst>
+              <a:ext uri="{FF2B5EF4-FFF2-40B4-BE49-F238E27FC236}">
+                <a16:creationId xmlns:a16="http://schemas.microsoft.com/office/drawing/2014/main" id="{D76462A7-38EC-EE68-E563-C9B8C81E83E8}"/>
+              </a:ext>
+            </a:extLst>
+          </p:cNvPr>
+          <p:cNvCxnSpPr>
+            <a:cxnSpLocks/>
+            <a:stCxn id="55" idx="6"/>
+            <a:endCxn id="7" idx="1"/>
+          </p:cNvCxnSpPr>
+          <p:nvPr/>
+        </p:nvCxnSpPr>
+        <p:spPr>
+          <a:xfrm>
+            <a:off x="4419529" y="6309401"/>
+            <a:ext cx="1603615" cy="131"/>
+          </a:xfrm>
+          <a:prstGeom prst="straightConnector1">
+            <a:avLst/>
+          </a:prstGeom>
+          <a:ln>
+            <a:tailEnd type="triangle"/>
+          </a:ln>
+        </p:spPr>
+        <p:style>
+          <a:lnRef idx="2">
+            <a:schemeClr val="accent3"/>
+          </a:lnRef>
+          <a:fillRef idx="0">
+            <a:schemeClr val="accent3"/>
+          </a:fillRef>
+          <a:effectRef idx="1">
+            <a:schemeClr val="accent3"/>
+          </a:effectRef>
+          <a:fontRef idx="minor">
+            <a:schemeClr val="tx1"/>
+          </a:fontRef>
+        </p:style>
+      </p:cxnSp>
+      <p:sp>
+        <p:nvSpPr>
+          <p:cNvPr id="55" name="Oval 54">
+            <a:extLst>
+              <a:ext uri="{FF2B5EF4-FFF2-40B4-BE49-F238E27FC236}">
+                <a16:creationId xmlns:a16="http://schemas.microsoft.com/office/drawing/2014/main" id="{09B1C4FA-0289-C1B9-6A7C-62F162B4BFC5}"/>
+              </a:ext>
+            </a:extLst>
+          </p:cNvPr>
+          <p:cNvSpPr/>
+          <p:nvPr/>
+        </p:nvSpPr>
+        <p:spPr>
+          <a:xfrm>
+            <a:off x="2878405" y="6080800"/>
+            <a:ext cx="1541124" cy="457201"/>
+          </a:xfrm>
+          <a:prstGeom prst="ellipse">
+            <a:avLst/>
+          </a:prstGeom>
+        </p:spPr>
+        <p:style>
+          <a:lnRef idx="1">
+            <a:schemeClr val="accent6"/>
+          </a:lnRef>
+          <a:fillRef idx="3">
+            <a:schemeClr val="accent6"/>
+          </a:fillRef>
+          <a:effectRef idx="2">
+            <a:schemeClr val="accent6"/>
+          </a:effectRef>
+          <a:fontRef idx="minor">
+            <a:schemeClr val="lt1"/>
+          </a:fontRef>
+        </p:style>
+        <p:txBody>
+          <a:bodyPr rtlCol="0" anchor="ctr"/>
+          <a:lstStyle/>
+          <a:p>
+            <a:pPr algn="ctr"/>
+            <a:r>
+              <a:rPr lang="en-AU" sz="1050" dirty="0"/>
+              <a:t>Camera</a:t>
+            </a:r>
+          </a:p>
+        </p:txBody>
+      </p:sp>
+      <p:sp>
+        <p:nvSpPr>
+          <p:cNvPr id="58" name="Oval 57">
+            <a:extLst>
+              <a:ext uri="{FF2B5EF4-FFF2-40B4-BE49-F238E27FC236}">
+                <a16:creationId xmlns:a16="http://schemas.microsoft.com/office/drawing/2014/main" id="{6CA2970D-9461-F9FC-D1E7-DE361D4AD39A}"/>
+              </a:ext>
+            </a:extLst>
+          </p:cNvPr>
+          <p:cNvSpPr/>
+          <p:nvPr/>
+        </p:nvSpPr>
+        <p:spPr>
+          <a:xfrm>
+            <a:off x="17648100" y="3257186"/>
+            <a:ext cx="1001656" cy="292274"/>
+          </a:xfrm>
+          <a:prstGeom prst="ellipse">
+            <a:avLst/>
+          </a:prstGeom>
+        </p:spPr>
+        <p:style>
+          <a:lnRef idx="1">
+            <a:schemeClr val="accent6"/>
+          </a:lnRef>
+          <a:fillRef idx="3">
+            <a:schemeClr val="accent6"/>
+          </a:fillRef>
+          <a:effectRef idx="2">
+            <a:schemeClr val="accent6"/>
+          </a:effectRef>
+          <a:fontRef idx="minor">
+            <a:schemeClr val="lt1"/>
+          </a:fontRef>
+        </p:style>
+        <p:txBody>
+          <a:bodyPr rtlCol="0" anchor="ctr"/>
+          <a:lstStyle/>
+          <a:p>
+            <a:pPr algn="ctr"/>
+            <a:endParaRPr lang="en-AU" sz="1050" dirty="0"/>
+          </a:p>
+        </p:txBody>
+      </p:sp>
+      <p:sp>
+        <p:nvSpPr>
+          <p:cNvPr id="59" name="TextBox 58">
+            <a:extLst>
+              <a:ext uri="{FF2B5EF4-FFF2-40B4-BE49-F238E27FC236}">
+                <a16:creationId xmlns:a16="http://schemas.microsoft.com/office/drawing/2014/main" id="{0EAA38FA-DD0D-38AB-D905-AA6EC185E350}"/>
+              </a:ext>
+            </a:extLst>
+          </p:cNvPr>
+          <p:cNvSpPr txBox="1"/>
+          <p:nvPr/>
+        </p:nvSpPr>
+        <p:spPr>
+          <a:xfrm>
+            <a:off x="18724574" y="3270288"/>
+            <a:ext cx="917239" cy="253916"/>
+          </a:xfrm>
+          <a:prstGeom prst="rect">
+            <a:avLst/>
+          </a:prstGeom>
+          <a:noFill/>
+        </p:spPr>
+        <p:txBody>
+          <a:bodyPr wrap="none" rtlCol="0">
+            <a:spAutoFit/>
+          </a:bodyPr>
+          <a:lstStyle/>
+          <a:p>
+            <a:r>
+              <a:rPr lang="en-AU" sz="1050" dirty="0"/>
+              <a:t>Sensor input</a:t>
+            </a:r>
+          </a:p>
+        </p:txBody>
+      </p:sp>
+      <p:cxnSp>
+        <p:nvCxnSpPr>
+          <p:cNvPr id="64" name="Straight Arrow Connector 63">
+            <a:extLst>
+              <a:ext uri="{FF2B5EF4-FFF2-40B4-BE49-F238E27FC236}">
+                <a16:creationId xmlns:a16="http://schemas.microsoft.com/office/drawing/2014/main" id="{5E6965AC-DCF0-53F5-AC0A-77052B9F51CC}"/>
+              </a:ext>
+            </a:extLst>
+          </p:cNvPr>
+          <p:cNvCxnSpPr>
+            <a:cxnSpLocks/>
+            <a:stCxn id="25" idx="0"/>
+            <a:endCxn id="26" idx="1"/>
+          </p:cNvCxnSpPr>
+          <p:nvPr/>
+        </p:nvCxnSpPr>
+        <p:spPr>
+          <a:xfrm>
+            <a:off x="4419529" y="6994056"/>
+            <a:ext cx="1603615" cy="0"/>
+          </a:xfrm>
+          <a:prstGeom prst="straightConnector1">
+            <a:avLst/>
+          </a:prstGeom>
+          <a:ln>
+            <a:tailEnd type="triangle"/>
+          </a:ln>
+        </p:spPr>
+        <p:style>
+          <a:lnRef idx="2">
+            <a:schemeClr val="accent3"/>
+          </a:lnRef>
+          <a:fillRef idx="0">
+            <a:schemeClr val="accent3"/>
+          </a:fillRef>
+          <a:effectRef idx="1">
+            <a:schemeClr val="accent3"/>
+          </a:effectRef>
+          <a:fontRef idx="minor">
+            <a:schemeClr val="tx1"/>
+          </a:fontRef>
+        </p:style>
+      </p:cxnSp>
+      <p:cxnSp>
+        <p:nvCxnSpPr>
+          <p:cNvPr id="78" name="Straight Arrow Connector 77">
+            <a:extLst>
+              <a:ext uri="{FF2B5EF4-FFF2-40B4-BE49-F238E27FC236}">
+                <a16:creationId xmlns:a16="http://schemas.microsoft.com/office/drawing/2014/main" id="{46C100FE-3311-8CB1-2120-7DCEAE26B753}"/>
+              </a:ext>
+            </a:extLst>
+          </p:cNvPr>
+          <p:cNvCxnSpPr>
+            <a:cxnSpLocks/>
+            <a:stCxn id="8" idx="0"/>
+            <a:endCxn id="31" idx="1"/>
+          </p:cNvCxnSpPr>
+          <p:nvPr/>
+        </p:nvCxnSpPr>
+        <p:spPr>
+          <a:xfrm>
+            <a:off x="4419529" y="5624878"/>
+            <a:ext cx="1603615" cy="130"/>
+          </a:xfrm>
+          <a:prstGeom prst="straightConnector1">
+            <a:avLst/>
+          </a:prstGeom>
+          <a:ln>
+            <a:tailEnd type="triangle"/>
+          </a:ln>
+        </p:spPr>
+        <p:style>
+          <a:lnRef idx="2">
+            <a:schemeClr val="accent3"/>
+          </a:lnRef>
+          <a:fillRef idx="0">
+            <a:schemeClr val="accent3"/>
+          </a:fillRef>
+          <a:effectRef idx="1">
+            <a:schemeClr val="accent3"/>
+          </a:effectRef>
+          <a:fontRef idx="minor">
+            <a:schemeClr val="tx1"/>
+          </a:fontRef>
+        </p:style>
+      </p:cxnSp>
     </p:spTree>
     <p:extLst>
       <p:ext uri="{BB962C8B-B14F-4D97-AF65-F5344CB8AC3E}">
@@ -3974,7 +4532,7 @@
 <file path=ppt/theme/theme1.xml><?xml version="1.0" encoding="utf-8"?>
 <a:theme xmlns:a="http://schemas.openxmlformats.org/drawingml/2006/main" name="Office Theme">
   <a:themeElements>
-    <a:clrScheme name="Office">
+    <a:clrScheme name="Office Theme">
       <a:dk1>
         <a:sysClr val="windowText" lastClr="000000"/>
       </a:dk1>
@@ -4012,7 +4570,7 @@
         <a:srgbClr val="96607D"/>
       </a:folHlink>
     </a:clrScheme>
-    <a:fontScheme name="Office">
+    <a:fontScheme name="Office Theme">
       <a:majorFont>
         <a:latin typeface="Aptos Display" panose="02110004020202020204"/>
         <a:ea typeface=""/>
@@ -4118,7 +4676,7 @@
         <a:font script="Tfng" typeface="Ebrima"/>
       </a:minorFont>
     </a:fontScheme>
-    <a:fmtScheme name="Office">
+    <a:fmtScheme name="Office Theme">
       <a:fillStyleLst>
         <a:solidFill>
           <a:schemeClr val="phClr"/>
